--- a/0 - Rascunho e testes/Anáslise de Portifólio.pptx
+++ b/0 - Rascunho e testes/Anáslise de Portifólio.pptx
@@ -19,6 +19,9 @@
     <p:sldId id="272" r:id="rId13"/>
     <p:sldId id="273" r:id="rId14"/>
     <p:sldId id="274" r:id="rId15"/>
+    <p:sldId id="275" r:id="rId16"/>
+    <p:sldId id="276" r:id="rId17"/>
+    <p:sldId id="277" r:id="rId18"/>
   </p:sldIdLst>
   <p:sldSz cx="12192000" cy="6858000"/>
   <p:notesSz cx="6858000" cy="9144000"/>
@@ -272,7 +275,7 @@
           <a:p>
             <a:fld id="{8B15D477-F523-48E5-B6F9-4A5E3795EB43}" type="datetimeFigureOut">
               <a:rPr lang="pt-BR" smtClean="0"/>
-              <a:t>09/01/2026</a:t>
+              <a:t>10/01/2026</a:t>
             </a:fld>
             <a:endParaRPr lang="pt-BR"/>
           </a:p>
@@ -470,7 +473,7 @@
           <a:p>
             <a:fld id="{8B15D477-F523-48E5-B6F9-4A5E3795EB43}" type="datetimeFigureOut">
               <a:rPr lang="pt-BR" smtClean="0"/>
-              <a:t>09/01/2026</a:t>
+              <a:t>10/01/2026</a:t>
             </a:fld>
             <a:endParaRPr lang="pt-BR"/>
           </a:p>
@@ -678,7 +681,7 @@
           <a:p>
             <a:fld id="{8B15D477-F523-48E5-B6F9-4A5E3795EB43}" type="datetimeFigureOut">
               <a:rPr lang="pt-BR" smtClean="0"/>
-              <a:t>09/01/2026</a:t>
+              <a:t>10/01/2026</a:t>
             </a:fld>
             <a:endParaRPr lang="pt-BR"/>
           </a:p>
@@ -876,7 +879,7 @@
           <a:p>
             <a:fld id="{8B15D477-F523-48E5-B6F9-4A5E3795EB43}" type="datetimeFigureOut">
               <a:rPr lang="pt-BR" smtClean="0"/>
-              <a:t>09/01/2026</a:t>
+              <a:t>10/01/2026</a:t>
             </a:fld>
             <a:endParaRPr lang="pt-BR"/>
           </a:p>
@@ -1151,7 +1154,7 @@
           <a:p>
             <a:fld id="{8B15D477-F523-48E5-B6F9-4A5E3795EB43}" type="datetimeFigureOut">
               <a:rPr lang="pt-BR" smtClean="0"/>
-              <a:t>09/01/2026</a:t>
+              <a:t>10/01/2026</a:t>
             </a:fld>
             <a:endParaRPr lang="pt-BR"/>
           </a:p>
@@ -1416,7 +1419,7 @@
           <a:p>
             <a:fld id="{8B15D477-F523-48E5-B6F9-4A5E3795EB43}" type="datetimeFigureOut">
               <a:rPr lang="pt-BR" smtClean="0"/>
-              <a:t>09/01/2026</a:t>
+              <a:t>10/01/2026</a:t>
             </a:fld>
             <a:endParaRPr lang="pt-BR"/>
           </a:p>
@@ -1828,7 +1831,7 @@
           <a:p>
             <a:fld id="{8B15D477-F523-48E5-B6F9-4A5E3795EB43}" type="datetimeFigureOut">
               <a:rPr lang="pt-BR" smtClean="0"/>
-              <a:t>09/01/2026</a:t>
+              <a:t>10/01/2026</a:t>
             </a:fld>
             <a:endParaRPr lang="pt-BR"/>
           </a:p>
@@ -1969,7 +1972,7 @@
           <a:p>
             <a:fld id="{8B15D477-F523-48E5-B6F9-4A5E3795EB43}" type="datetimeFigureOut">
               <a:rPr lang="pt-BR" smtClean="0"/>
-              <a:t>09/01/2026</a:t>
+              <a:t>10/01/2026</a:t>
             </a:fld>
             <a:endParaRPr lang="pt-BR"/>
           </a:p>
@@ -2082,7 +2085,7 @@
           <a:p>
             <a:fld id="{8B15D477-F523-48E5-B6F9-4A5E3795EB43}" type="datetimeFigureOut">
               <a:rPr lang="pt-BR" smtClean="0"/>
-              <a:t>09/01/2026</a:t>
+              <a:t>10/01/2026</a:t>
             </a:fld>
             <a:endParaRPr lang="pt-BR"/>
           </a:p>
@@ -2393,7 +2396,7 @@
           <a:p>
             <a:fld id="{8B15D477-F523-48E5-B6F9-4A5E3795EB43}" type="datetimeFigureOut">
               <a:rPr lang="pt-BR" smtClean="0"/>
-              <a:t>09/01/2026</a:t>
+              <a:t>10/01/2026</a:t>
             </a:fld>
             <a:endParaRPr lang="pt-BR"/>
           </a:p>
@@ -2681,7 +2684,7 @@
           <a:p>
             <a:fld id="{8B15D477-F523-48E5-B6F9-4A5E3795EB43}" type="datetimeFigureOut">
               <a:rPr lang="pt-BR" smtClean="0"/>
-              <a:t>09/01/2026</a:t>
+              <a:t>10/01/2026</a:t>
             </a:fld>
             <a:endParaRPr lang="pt-BR"/>
           </a:p>
@@ -2922,7 +2925,7 @@
           <a:p>
             <a:fld id="{8B15D477-F523-48E5-B6F9-4A5E3795EB43}" type="datetimeFigureOut">
               <a:rPr lang="pt-BR" smtClean="0"/>
-              <a:t>09/01/2026</a:t>
+              <a:t>10/01/2026</a:t>
             </a:fld>
             <a:endParaRPr lang="pt-BR"/>
           </a:p>
@@ -7984,10 +7987,5523 @@
           <a:chExt cx="0" cy="0"/>
         </a:xfrm>
       </p:grpSpPr>
+      <p:sp>
+        <p:nvSpPr>
+          <p:cNvPr id="2" name="CaixaDeTexto 1">
+            <a:extLst>
+              <a:ext uri="{FF2B5EF4-FFF2-40B4-BE49-F238E27FC236}">
+                <a16:creationId xmlns:a16="http://schemas.microsoft.com/office/drawing/2014/main" id="{25390559-EB62-00A8-EA6D-A4BFFD62EBE4}"/>
+              </a:ext>
+            </a:extLst>
+          </p:cNvPr>
+          <p:cNvSpPr txBox="1"/>
+          <p:nvPr/>
+        </p:nvSpPr>
+        <p:spPr>
+          <a:xfrm>
+            <a:off x="1948543" y="2939142"/>
+            <a:ext cx="9356792" cy="630942"/>
+          </a:xfrm>
+          <a:prstGeom prst="rect">
+            <a:avLst/>
+          </a:prstGeom>
+          <a:noFill/>
+        </p:spPr>
+        <p:txBody>
+          <a:bodyPr wrap="none" rtlCol="0">
+            <a:spAutoFit/>
+          </a:bodyPr>
+          <a:lstStyle/>
+          <a:p>
+            <a:r>
+              <a:rPr lang="pt-BR" sz="3500" dirty="0"/>
+              <a:t>Notebook: Otimizacao_de_Portfolio_v2_5.ipynb</a:t>
+            </a:r>
+          </a:p>
+        </p:txBody>
+      </p:sp>
     </p:spTree>
     <p:extLst>
       <p:ext uri="{BB962C8B-B14F-4D97-AF65-F5344CB8AC3E}">
         <p14:creationId xmlns:p14="http://schemas.microsoft.com/office/powerpoint/2010/main" val="3954124700"/>
+      </p:ext>
+    </p:extLst>
+  </p:cSld>
+  <p:clrMapOvr>
+    <a:masterClrMapping/>
+  </p:clrMapOvr>
+</p:sld>
+</file>
+
+<file path=ppt/slides/slide15.xml><?xml version="1.0" encoding="utf-8"?>
+<p:sld xmlns:a="http://schemas.openxmlformats.org/drawingml/2006/main" xmlns:r="http://schemas.openxmlformats.org/officeDocument/2006/relationships" xmlns:p="http://schemas.openxmlformats.org/presentationml/2006/main">
+  <p:cSld>
+    <p:spTree>
+      <p:nvGrpSpPr>
+        <p:cNvPr id="1" name=""/>
+        <p:cNvGrpSpPr/>
+        <p:nvPr/>
+      </p:nvGrpSpPr>
+      <p:grpSpPr>
+        <a:xfrm>
+          <a:off x="0" y="0"/>
+          <a:ext cx="0" cy="0"/>
+          <a:chOff x="0" y="0"/>
+          <a:chExt cx="0" cy="0"/>
+        </a:xfrm>
+      </p:grpSpPr>
+      <p:pic>
+        <p:nvPicPr>
+          <p:cNvPr id="5" name="Imagem 4" descr="Gráfico&#10;&#10;O conteúdo gerado por IA pode estar incorreto.">
+            <a:extLst>
+              <a:ext uri="{FF2B5EF4-FFF2-40B4-BE49-F238E27FC236}">
+                <a16:creationId xmlns:a16="http://schemas.microsoft.com/office/drawing/2014/main" id="{5F284BBB-3D5E-B2D6-3EDB-1875F5BAC0A5}"/>
+              </a:ext>
+            </a:extLst>
+          </p:cNvPr>
+          <p:cNvPicPr>
+            <a:picLocks noChangeAspect="1"/>
+          </p:cNvPicPr>
+          <p:nvPr/>
+        </p:nvPicPr>
+        <p:blipFill>
+          <a:blip r:embed="rId2"/>
+          <a:stretch>
+            <a:fillRect/>
+          </a:stretch>
+        </p:blipFill>
+        <p:spPr>
+          <a:xfrm>
+            <a:off x="0" y="1"/>
+            <a:ext cx="7773666" cy="4735286"/>
+          </a:xfrm>
+          <a:prstGeom prst="rect">
+            <a:avLst/>
+          </a:prstGeom>
+        </p:spPr>
+      </p:pic>
+      <p:pic>
+        <p:nvPicPr>
+          <p:cNvPr id="7" name="Imagem 6" descr="Interface gráfica do usuário, Aplicativo&#10;&#10;O conteúdo gerado por IA pode estar incorreto.">
+            <a:extLst>
+              <a:ext uri="{FF2B5EF4-FFF2-40B4-BE49-F238E27FC236}">
+                <a16:creationId xmlns:a16="http://schemas.microsoft.com/office/drawing/2014/main" id="{13E1944B-6D55-741E-4163-9618F184CD09}"/>
+              </a:ext>
+            </a:extLst>
+          </p:cNvPr>
+          <p:cNvPicPr>
+            <a:picLocks noChangeAspect="1"/>
+          </p:cNvPicPr>
+          <p:nvPr/>
+        </p:nvPicPr>
+        <p:blipFill>
+          <a:blip r:embed="rId3"/>
+          <a:stretch>
+            <a:fillRect/>
+          </a:stretch>
+        </p:blipFill>
+        <p:spPr>
+          <a:xfrm>
+            <a:off x="119742" y="5231817"/>
+            <a:ext cx="4495800" cy="1332656"/>
+          </a:xfrm>
+          <a:prstGeom prst="rect">
+            <a:avLst/>
+          </a:prstGeom>
+        </p:spPr>
+      </p:pic>
+      <p:graphicFrame>
+        <p:nvGraphicFramePr>
+          <p:cNvPr id="8" name="Tabela 7">
+            <a:extLst>
+              <a:ext uri="{FF2B5EF4-FFF2-40B4-BE49-F238E27FC236}">
+                <a16:creationId xmlns:a16="http://schemas.microsoft.com/office/drawing/2014/main" id="{94CC2338-A56E-2150-8C30-8F4E904C0AC5}"/>
+              </a:ext>
+            </a:extLst>
+          </p:cNvPr>
+          <p:cNvGraphicFramePr>
+            <a:graphicFrameLocks noGrp="1"/>
+          </p:cNvGraphicFramePr>
+          <p:nvPr>
+            <p:extLst>
+              <p:ext uri="{D42A27DB-BD31-4B8C-83A1-F6EECF244321}">
+                <p14:modId xmlns:p14="http://schemas.microsoft.com/office/powerpoint/2010/main" val="2775202209"/>
+              </p:ext>
+            </p:extLst>
+          </p:nvPr>
+        </p:nvGraphicFramePr>
+        <p:xfrm>
+          <a:off x="7996991" y="152399"/>
+          <a:ext cx="4075267" cy="6596740"/>
+        </p:xfrm>
+        <a:graphic>
+          <a:graphicData uri="http://schemas.openxmlformats.org/drawingml/2006/table">
+            <a:tbl>
+              <a:tblPr>
+                <a:tableStyleId>{775DCB02-9BB8-47FD-8907-85C794F793BA}</a:tableStyleId>
+              </a:tblPr>
+              <a:tblGrid>
+                <a:gridCol w="923303">
+                  <a:extLst>
+                    <a:ext uri="{9D8B030D-6E8A-4147-A177-3AD203B41FA5}">
+                      <a16:colId xmlns:a16="http://schemas.microsoft.com/office/drawing/2014/main" val="3803183964"/>
+                    </a:ext>
+                  </a:extLst>
+                </a:gridCol>
+                <a:gridCol w="923303">
+                  <a:extLst>
+                    <a:ext uri="{9D8B030D-6E8A-4147-A177-3AD203B41FA5}">
+                      <a16:colId xmlns:a16="http://schemas.microsoft.com/office/drawing/2014/main" val="1088590933"/>
+                    </a:ext>
+                  </a:extLst>
+                </a:gridCol>
+                <a:gridCol w="923303">
+                  <a:extLst>
+                    <a:ext uri="{9D8B030D-6E8A-4147-A177-3AD203B41FA5}">
+                      <a16:colId xmlns:a16="http://schemas.microsoft.com/office/drawing/2014/main" val="1772461162"/>
+                    </a:ext>
+                  </a:extLst>
+                </a:gridCol>
+                <a:gridCol w="1305358">
+                  <a:extLst>
+                    <a:ext uri="{9D8B030D-6E8A-4147-A177-3AD203B41FA5}">
+                      <a16:colId xmlns:a16="http://schemas.microsoft.com/office/drawing/2014/main" val="4256961797"/>
+                    </a:ext>
+                  </a:extLst>
+                </a:gridCol>
+              </a:tblGrid>
+              <a:tr h="133685">
+                <a:tc>
+                  <a:txBody>
+                    <a:bodyPr/>
+                    <a:lstStyle/>
+                    <a:p>
+                      <a:pPr algn="ctr" fontAlgn="ctr">
+                        <a:buNone/>
+                      </a:pPr>
+                      <a:r>
+                        <a:rPr lang="pt-BR" sz="700" dirty="0">
+                          <a:effectLst/>
+                        </a:rPr>
+                        <a:t>Ativo</a:t>
+                      </a:r>
+                    </a:p>
+                  </a:txBody>
+                  <a:tcPr marL="16328" marR="16328" marT="8164" marB="8164" anchor="ctr"/>
+                </a:tc>
+                <a:tc>
+                  <a:txBody>
+                    <a:bodyPr/>
+                    <a:lstStyle/>
+                    <a:p>
+                      <a:pPr algn="ctr" fontAlgn="ctr">
+                        <a:buNone/>
+                      </a:pPr>
+                      <a:r>
+                        <a:rPr lang="pt-BR" sz="700" dirty="0">
+                          <a:effectLst/>
+                        </a:rPr>
+                        <a:t>GMV (%)</a:t>
+                      </a:r>
+                    </a:p>
+                  </a:txBody>
+                  <a:tcPr marL="16328" marR="16328" marT="8164" marB="8164" anchor="ctr"/>
+                </a:tc>
+                <a:tc>
+                  <a:txBody>
+                    <a:bodyPr/>
+                    <a:lstStyle/>
+                    <a:p>
+                      <a:pPr algn="ctr" fontAlgn="ctr">
+                        <a:buNone/>
+                      </a:pPr>
+                      <a:r>
+                        <a:rPr lang="pt-BR" sz="700" dirty="0">
+                          <a:effectLst/>
+                        </a:rPr>
+                        <a:t>Max Sharpe (%)</a:t>
+                      </a:r>
+                    </a:p>
+                  </a:txBody>
+                  <a:tcPr marL="16328" marR="16328" marT="8164" marB="8164" anchor="ctr"/>
+                </a:tc>
+                <a:tc>
+                  <a:txBody>
+                    <a:bodyPr/>
+                    <a:lstStyle/>
+                    <a:p>
+                      <a:pPr algn="ctr" fontAlgn="ctr">
+                        <a:buNone/>
+                      </a:pPr>
+                      <a:r>
+                        <a:rPr lang="pt-BR" sz="700" dirty="0">
+                          <a:effectLst/>
+                        </a:rPr>
+                        <a:t>Carteira Atual (%)</a:t>
+                      </a:r>
+                    </a:p>
+                  </a:txBody>
+                  <a:tcPr marL="16328" marR="16328" marT="8164" marB="8164" anchor="ctr"/>
+                </a:tc>
+                <a:extLst>
+                  <a:ext uri="{0D108BD9-81ED-4DB2-BD59-A6C34878D82A}">
+                    <a16:rowId xmlns:a16="http://schemas.microsoft.com/office/drawing/2014/main" val="2663169471"/>
+                  </a:ext>
+                </a:extLst>
+              </a:tr>
+              <a:tr h="249626">
+                <a:tc>
+                  <a:txBody>
+                    <a:bodyPr/>
+                    <a:lstStyle/>
+                    <a:p>
+                      <a:pPr algn="ctr">
+                        <a:buNone/>
+                      </a:pPr>
+                      <a:r>
+                        <a:rPr lang="pt-BR" sz="700">
+                          <a:effectLst/>
+                        </a:rPr>
+                        <a:t>ARX Hedge FIC Incentivado Finan</a:t>
+                      </a:r>
+                    </a:p>
+                  </a:txBody>
+                  <a:tcPr marL="16328" marR="16328" marT="8164" marB="8164" anchor="ctr"/>
+                </a:tc>
+                <a:tc>
+                  <a:txBody>
+                    <a:bodyPr/>
+                    <a:lstStyle/>
+                    <a:p>
+                      <a:pPr algn="ctr">
+                        <a:buNone/>
+                      </a:pPr>
+                      <a:r>
+                        <a:rPr lang="pt-BR" sz="700">
+                          <a:effectLst/>
+                        </a:rPr>
+                        <a:t>0.00</a:t>
+                      </a:r>
+                    </a:p>
+                  </a:txBody>
+                  <a:tcPr marL="16328" marR="16328" marT="8164" marB="8164" anchor="ctr"/>
+                </a:tc>
+                <a:tc>
+                  <a:txBody>
+                    <a:bodyPr/>
+                    <a:lstStyle/>
+                    <a:p>
+                      <a:pPr algn="ctr">
+                        <a:buNone/>
+                      </a:pPr>
+                      <a:r>
+                        <a:rPr lang="pt-BR" sz="700">
+                          <a:effectLst/>
+                        </a:rPr>
+                        <a:t>0.00</a:t>
+                      </a:r>
+                    </a:p>
+                  </a:txBody>
+                  <a:tcPr marL="16328" marR="16328" marT="8164" marB="8164" anchor="ctr"/>
+                </a:tc>
+                <a:tc>
+                  <a:txBody>
+                    <a:bodyPr/>
+                    <a:lstStyle/>
+                    <a:p>
+                      <a:pPr algn="ctr">
+                        <a:buNone/>
+                      </a:pPr>
+                      <a:r>
+                        <a:rPr lang="pt-BR" sz="700">
+                          <a:effectLst/>
+                        </a:rPr>
+                        <a:t>13.16</a:t>
+                      </a:r>
+                    </a:p>
+                  </a:txBody>
+                  <a:tcPr marL="16328" marR="16328" marT="8164" marB="8164" anchor="ctr"/>
+                </a:tc>
+                <a:extLst>
+                  <a:ext uri="{0D108BD9-81ED-4DB2-BD59-A6C34878D82A}">
+                    <a16:rowId xmlns:a16="http://schemas.microsoft.com/office/drawing/2014/main" val="885281234"/>
+                  </a:ext>
+                </a:extLst>
+              </a:tr>
+              <a:tr h="133685">
+                <a:tc>
+                  <a:txBody>
+                    <a:bodyPr/>
+                    <a:lstStyle/>
+                    <a:p>
+                      <a:pPr algn="ctr">
+                        <a:buNone/>
+                      </a:pPr>
+                      <a:r>
+                        <a:rPr lang="pt-BR" sz="700">
+                          <a:effectLst/>
+                        </a:rPr>
+                        <a:t>BTC</a:t>
+                      </a:r>
+                    </a:p>
+                  </a:txBody>
+                  <a:tcPr marL="16328" marR="16328" marT="8164" marB="8164" anchor="ctr"/>
+                </a:tc>
+                <a:tc>
+                  <a:txBody>
+                    <a:bodyPr/>
+                    <a:lstStyle/>
+                    <a:p>
+                      <a:pPr algn="ctr">
+                        <a:buNone/>
+                      </a:pPr>
+                      <a:r>
+                        <a:rPr lang="pt-BR" sz="700">
+                          <a:effectLst/>
+                        </a:rPr>
+                        <a:t>0.00</a:t>
+                      </a:r>
+                    </a:p>
+                  </a:txBody>
+                  <a:tcPr marL="16328" marR="16328" marT="8164" marB="8164" anchor="ctr"/>
+                </a:tc>
+                <a:tc>
+                  <a:txBody>
+                    <a:bodyPr/>
+                    <a:lstStyle/>
+                    <a:p>
+                      <a:pPr algn="ctr">
+                        <a:buNone/>
+                      </a:pPr>
+                      <a:r>
+                        <a:rPr lang="pt-BR" sz="700">
+                          <a:effectLst/>
+                        </a:rPr>
+                        <a:t>0.00</a:t>
+                      </a:r>
+                    </a:p>
+                  </a:txBody>
+                  <a:tcPr marL="16328" marR="16328" marT="8164" marB="8164" anchor="ctr"/>
+                </a:tc>
+                <a:tc>
+                  <a:txBody>
+                    <a:bodyPr/>
+                    <a:lstStyle/>
+                    <a:p>
+                      <a:pPr algn="ctr">
+                        <a:buNone/>
+                      </a:pPr>
+                      <a:r>
+                        <a:rPr lang="pt-BR" sz="700">
+                          <a:effectLst/>
+                        </a:rPr>
+                        <a:t>12.51</a:t>
+                      </a:r>
+                    </a:p>
+                  </a:txBody>
+                  <a:tcPr marL="16328" marR="16328" marT="8164" marB="8164" anchor="ctr"/>
+                </a:tc>
+                <a:extLst>
+                  <a:ext uri="{0D108BD9-81ED-4DB2-BD59-A6C34878D82A}">
+                    <a16:rowId xmlns:a16="http://schemas.microsoft.com/office/drawing/2014/main" val="1764238589"/>
+                  </a:ext>
+                </a:extLst>
+              </a:tr>
+              <a:tr h="249626">
+                <a:tc>
+                  <a:txBody>
+                    <a:bodyPr/>
+                    <a:lstStyle/>
+                    <a:p>
+                      <a:pPr algn="ctr">
+                        <a:buNone/>
+                      </a:pPr>
+                      <a:r>
+                        <a:rPr lang="pt-BR" sz="700">
+                          <a:effectLst/>
+                        </a:rPr>
+                        <a:t>DEB AEGEA RIO SPE4 - SET-2042</a:t>
+                      </a:r>
+                    </a:p>
+                  </a:txBody>
+                  <a:tcPr marL="16328" marR="16328" marT="8164" marB="8164" anchor="ctr"/>
+                </a:tc>
+                <a:tc>
+                  <a:txBody>
+                    <a:bodyPr/>
+                    <a:lstStyle/>
+                    <a:p>
+                      <a:pPr algn="ctr">
+                        <a:buNone/>
+                      </a:pPr>
+                      <a:r>
+                        <a:rPr lang="pt-BR" sz="700">
+                          <a:effectLst/>
+                        </a:rPr>
+                        <a:t>0.00</a:t>
+                      </a:r>
+                    </a:p>
+                  </a:txBody>
+                  <a:tcPr marL="16328" marR="16328" marT="8164" marB="8164" anchor="ctr"/>
+                </a:tc>
+                <a:tc>
+                  <a:txBody>
+                    <a:bodyPr/>
+                    <a:lstStyle/>
+                    <a:p>
+                      <a:pPr algn="ctr">
+                        <a:buNone/>
+                      </a:pPr>
+                      <a:r>
+                        <a:rPr lang="pt-BR" sz="700">
+                          <a:effectLst/>
+                        </a:rPr>
+                        <a:t>0.00</a:t>
+                      </a:r>
+                    </a:p>
+                  </a:txBody>
+                  <a:tcPr marL="16328" marR="16328" marT="8164" marB="8164" anchor="ctr"/>
+                </a:tc>
+                <a:tc>
+                  <a:txBody>
+                    <a:bodyPr/>
+                    <a:lstStyle/>
+                    <a:p>
+                      <a:pPr algn="ctr">
+                        <a:buNone/>
+                      </a:pPr>
+                      <a:r>
+                        <a:rPr lang="pt-BR" sz="700">
+                          <a:effectLst/>
+                        </a:rPr>
+                        <a:t>11.81</a:t>
+                      </a:r>
+                    </a:p>
+                  </a:txBody>
+                  <a:tcPr marL="16328" marR="16328" marT="8164" marB="8164" anchor="ctr"/>
+                </a:tc>
+                <a:extLst>
+                  <a:ext uri="{0D108BD9-81ED-4DB2-BD59-A6C34878D82A}">
+                    <a16:rowId xmlns:a16="http://schemas.microsoft.com/office/drawing/2014/main" val="1888319667"/>
+                  </a:ext>
+                </a:extLst>
+              </a:tr>
+              <a:tr h="365567">
+                <a:tc>
+                  <a:txBody>
+                    <a:bodyPr/>
+                    <a:lstStyle/>
+                    <a:p>
+                      <a:pPr algn="ctr">
+                        <a:buNone/>
+                      </a:pPr>
+                      <a:r>
+                        <a:rPr lang="pt-BR" sz="700">
+                          <a:effectLst/>
+                        </a:rPr>
+                        <a:t>XP Balanceado Fundo Mútuo de Pr</a:t>
+                      </a:r>
+                    </a:p>
+                  </a:txBody>
+                  <a:tcPr marL="16328" marR="16328" marT="8164" marB="8164" anchor="ctr"/>
+                </a:tc>
+                <a:tc>
+                  <a:txBody>
+                    <a:bodyPr/>
+                    <a:lstStyle/>
+                    <a:p>
+                      <a:pPr algn="ctr">
+                        <a:buNone/>
+                      </a:pPr>
+                      <a:r>
+                        <a:rPr lang="pt-BR" sz="700">
+                          <a:effectLst/>
+                        </a:rPr>
+                        <a:t>0.00</a:t>
+                      </a:r>
+                    </a:p>
+                  </a:txBody>
+                  <a:tcPr marL="16328" marR="16328" marT="8164" marB="8164" anchor="ctr"/>
+                </a:tc>
+                <a:tc>
+                  <a:txBody>
+                    <a:bodyPr/>
+                    <a:lstStyle/>
+                    <a:p>
+                      <a:pPr algn="ctr">
+                        <a:buNone/>
+                      </a:pPr>
+                      <a:r>
+                        <a:rPr lang="pt-BR" sz="700">
+                          <a:effectLst/>
+                        </a:rPr>
+                        <a:t>0.00</a:t>
+                      </a:r>
+                    </a:p>
+                  </a:txBody>
+                  <a:tcPr marL="16328" marR="16328" marT="8164" marB="8164" anchor="ctr"/>
+                </a:tc>
+                <a:tc>
+                  <a:txBody>
+                    <a:bodyPr/>
+                    <a:lstStyle/>
+                    <a:p>
+                      <a:pPr algn="ctr">
+                        <a:buNone/>
+                      </a:pPr>
+                      <a:r>
+                        <a:rPr lang="pt-BR" sz="700">
+                          <a:effectLst/>
+                        </a:rPr>
+                        <a:t>10.94</a:t>
+                      </a:r>
+                    </a:p>
+                  </a:txBody>
+                  <a:tcPr marL="16328" marR="16328" marT="8164" marB="8164" anchor="ctr"/>
+                </a:tc>
+                <a:extLst>
+                  <a:ext uri="{0D108BD9-81ED-4DB2-BD59-A6C34878D82A}">
+                    <a16:rowId xmlns:a16="http://schemas.microsoft.com/office/drawing/2014/main" val="203798761"/>
+                  </a:ext>
+                </a:extLst>
+              </a:tr>
+              <a:tr h="249626">
+                <a:tc>
+                  <a:txBody>
+                    <a:bodyPr/>
+                    <a:lstStyle/>
+                    <a:p>
+                      <a:pPr algn="ctr">
+                        <a:buNone/>
+                      </a:pPr>
+                      <a:r>
+                        <a:rPr lang="pt-BR" sz="700">
+                          <a:effectLst/>
+                        </a:rPr>
+                        <a:t>CRA MARFRIG - MAR-2034</a:t>
+                      </a:r>
+                    </a:p>
+                  </a:txBody>
+                  <a:tcPr marL="16328" marR="16328" marT="8164" marB="8164" anchor="ctr"/>
+                </a:tc>
+                <a:tc>
+                  <a:txBody>
+                    <a:bodyPr/>
+                    <a:lstStyle/>
+                    <a:p>
+                      <a:pPr algn="ctr">
+                        <a:buNone/>
+                      </a:pPr>
+                      <a:r>
+                        <a:rPr lang="pt-BR" sz="700">
+                          <a:effectLst/>
+                        </a:rPr>
+                        <a:t>0.00</a:t>
+                      </a:r>
+                    </a:p>
+                  </a:txBody>
+                  <a:tcPr marL="16328" marR="16328" marT="8164" marB="8164" anchor="ctr"/>
+                </a:tc>
+                <a:tc>
+                  <a:txBody>
+                    <a:bodyPr/>
+                    <a:lstStyle/>
+                    <a:p>
+                      <a:pPr algn="ctr">
+                        <a:buNone/>
+                      </a:pPr>
+                      <a:r>
+                        <a:rPr lang="pt-BR" sz="700">
+                          <a:effectLst/>
+                        </a:rPr>
+                        <a:t>0.00</a:t>
+                      </a:r>
+                    </a:p>
+                  </a:txBody>
+                  <a:tcPr marL="16328" marR="16328" marT="8164" marB="8164" anchor="ctr"/>
+                </a:tc>
+                <a:tc>
+                  <a:txBody>
+                    <a:bodyPr/>
+                    <a:lstStyle/>
+                    <a:p>
+                      <a:pPr algn="ctr">
+                        <a:buNone/>
+                      </a:pPr>
+                      <a:r>
+                        <a:rPr lang="pt-BR" sz="700" dirty="0">
+                          <a:effectLst/>
+                        </a:rPr>
+                        <a:t>10.91</a:t>
+                      </a:r>
+                    </a:p>
+                  </a:txBody>
+                  <a:tcPr marL="16328" marR="16328" marT="8164" marB="8164" anchor="ctr"/>
+                </a:tc>
+                <a:extLst>
+                  <a:ext uri="{0D108BD9-81ED-4DB2-BD59-A6C34878D82A}">
+                    <a16:rowId xmlns:a16="http://schemas.microsoft.com/office/drawing/2014/main" val="2873856611"/>
+                  </a:ext>
+                </a:extLst>
+              </a:tr>
+              <a:tr h="249626">
+                <a:tc>
+                  <a:txBody>
+                    <a:bodyPr/>
+                    <a:lstStyle/>
+                    <a:p>
+                      <a:pPr algn="ctr">
+                        <a:buNone/>
+                      </a:pPr>
+                      <a:r>
+                        <a:rPr lang="pt-BR" sz="700">
+                          <a:effectLst/>
+                        </a:rPr>
+                        <a:t>CRA JBS - SET-2038</a:t>
+                      </a:r>
+                    </a:p>
+                  </a:txBody>
+                  <a:tcPr marL="16328" marR="16328" marT="8164" marB="8164" anchor="ctr"/>
+                </a:tc>
+                <a:tc>
+                  <a:txBody>
+                    <a:bodyPr/>
+                    <a:lstStyle/>
+                    <a:p>
+                      <a:pPr algn="ctr">
+                        <a:buNone/>
+                      </a:pPr>
+                      <a:r>
+                        <a:rPr lang="pt-BR" sz="700">
+                          <a:effectLst/>
+                        </a:rPr>
+                        <a:t>0.00</a:t>
+                      </a:r>
+                    </a:p>
+                  </a:txBody>
+                  <a:tcPr marL="16328" marR="16328" marT="8164" marB="8164" anchor="ctr"/>
+                </a:tc>
+                <a:tc>
+                  <a:txBody>
+                    <a:bodyPr/>
+                    <a:lstStyle/>
+                    <a:p>
+                      <a:pPr algn="ctr">
+                        <a:buNone/>
+                      </a:pPr>
+                      <a:r>
+                        <a:rPr lang="pt-BR" sz="700">
+                          <a:effectLst/>
+                        </a:rPr>
+                        <a:t>0.00</a:t>
+                      </a:r>
+                    </a:p>
+                  </a:txBody>
+                  <a:tcPr marL="16328" marR="16328" marT="8164" marB="8164" anchor="ctr"/>
+                </a:tc>
+                <a:tc>
+                  <a:txBody>
+                    <a:bodyPr/>
+                    <a:lstStyle/>
+                    <a:p>
+                      <a:pPr algn="ctr">
+                        <a:buNone/>
+                      </a:pPr>
+                      <a:r>
+                        <a:rPr lang="pt-BR" sz="700">
+                          <a:effectLst/>
+                        </a:rPr>
+                        <a:t>10.26</a:t>
+                      </a:r>
+                    </a:p>
+                  </a:txBody>
+                  <a:tcPr marL="16328" marR="16328" marT="8164" marB="8164" anchor="ctr"/>
+                </a:tc>
+                <a:extLst>
+                  <a:ext uri="{0D108BD9-81ED-4DB2-BD59-A6C34878D82A}">
+                    <a16:rowId xmlns:a16="http://schemas.microsoft.com/office/drawing/2014/main" val="3675788204"/>
+                  </a:ext>
+                </a:extLst>
+              </a:tr>
+              <a:tr h="249626">
+                <a:tc>
+                  <a:txBody>
+                    <a:bodyPr/>
+                    <a:lstStyle/>
+                    <a:p>
+                      <a:pPr algn="ctr">
+                        <a:buNone/>
+                      </a:pPr>
+                      <a:r>
+                        <a:rPr lang="pt-BR" sz="700">
+                          <a:effectLst/>
+                        </a:rPr>
+                        <a:t>XP Debêntures Incentivadas CDI</a:t>
+                      </a:r>
+                    </a:p>
+                  </a:txBody>
+                  <a:tcPr marL="16328" marR="16328" marT="8164" marB="8164" anchor="ctr"/>
+                </a:tc>
+                <a:tc>
+                  <a:txBody>
+                    <a:bodyPr/>
+                    <a:lstStyle/>
+                    <a:p>
+                      <a:pPr algn="ctr">
+                        <a:buNone/>
+                      </a:pPr>
+                      <a:r>
+                        <a:rPr lang="pt-BR" sz="700">
+                          <a:effectLst/>
+                        </a:rPr>
+                        <a:t>6.54</a:t>
+                      </a:r>
+                    </a:p>
+                  </a:txBody>
+                  <a:tcPr marL="16328" marR="16328" marT="8164" marB="8164" anchor="ctr"/>
+                </a:tc>
+                <a:tc>
+                  <a:txBody>
+                    <a:bodyPr/>
+                    <a:lstStyle/>
+                    <a:p>
+                      <a:pPr algn="ctr">
+                        <a:buNone/>
+                      </a:pPr>
+                      <a:r>
+                        <a:rPr lang="pt-BR" sz="700">
+                          <a:effectLst/>
+                        </a:rPr>
+                        <a:t>0.00</a:t>
+                      </a:r>
+                    </a:p>
+                  </a:txBody>
+                  <a:tcPr marL="16328" marR="16328" marT="8164" marB="8164" anchor="ctr"/>
+                </a:tc>
+                <a:tc>
+                  <a:txBody>
+                    <a:bodyPr/>
+                    <a:lstStyle/>
+                    <a:p>
+                      <a:pPr algn="ctr">
+                        <a:buNone/>
+                      </a:pPr>
+                      <a:r>
+                        <a:rPr lang="pt-BR" sz="700">
+                          <a:effectLst/>
+                        </a:rPr>
+                        <a:t>9.01</a:t>
+                      </a:r>
+                    </a:p>
+                  </a:txBody>
+                  <a:tcPr marL="16328" marR="16328" marT="8164" marB="8164" anchor="ctr"/>
+                </a:tc>
+                <a:extLst>
+                  <a:ext uri="{0D108BD9-81ED-4DB2-BD59-A6C34878D82A}">
+                    <a16:rowId xmlns:a16="http://schemas.microsoft.com/office/drawing/2014/main" val="2291432999"/>
+                  </a:ext>
+                </a:extLst>
+              </a:tr>
+              <a:tr h="365567">
+                <a:tc>
+                  <a:txBody>
+                    <a:bodyPr/>
+                    <a:lstStyle/>
+                    <a:p>
+                      <a:pPr algn="ctr">
+                        <a:buNone/>
+                      </a:pPr>
+                      <a:r>
+                        <a:rPr lang="pt-BR" sz="700">
+                          <a:effectLst/>
+                        </a:rPr>
+                        <a:t>CRA M. DIAS BRANCO - MAR-2031</a:t>
+                      </a:r>
+                    </a:p>
+                  </a:txBody>
+                  <a:tcPr marL="16328" marR="16328" marT="8164" marB="8164" anchor="ctr"/>
+                </a:tc>
+                <a:tc>
+                  <a:txBody>
+                    <a:bodyPr/>
+                    <a:lstStyle/>
+                    <a:p>
+                      <a:pPr algn="ctr">
+                        <a:buNone/>
+                      </a:pPr>
+                      <a:r>
+                        <a:rPr lang="pt-BR" sz="700">
+                          <a:effectLst/>
+                        </a:rPr>
+                        <a:t>0.00</a:t>
+                      </a:r>
+                    </a:p>
+                  </a:txBody>
+                  <a:tcPr marL="16328" marR="16328" marT="8164" marB="8164" anchor="ctr"/>
+                </a:tc>
+                <a:tc>
+                  <a:txBody>
+                    <a:bodyPr/>
+                    <a:lstStyle/>
+                    <a:p>
+                      <a:pPr algn="ctr">
+                        <a:buNone/>
+                      </a:pPr>
+                      <a:r>
+                        <a:rPr lang="pt-BR" sz="700">
+                          <a:effectLst/>
+                        </a:rPr>
+                        <a:t>0.00</a:t>
+                      </a:r>
+                    </a:p>
+                  </a:txBody>
+                  <a:tcPr marL="16328" marR="16328" marT="8164" marB="8164" anchor="ctr"/>
+                </a:tc>
+                <a:tc>
+                  <a:txBody>
+                    <a:bodyPr/>
+                    <a:lstStyle/>
+                    <a:p>
+                      <a:pPr algn="ctr">
+                        <a:buNone/>
+                      </a:pPr>
+                      <a:r>
+                        <a:rPr lang="pt-BR" sz="700">
+                          <a:effectLst/>
+                        </a:rPr>
+                        <a:t>3.31</a:t>
+                      </a:r>
+                    </a:p>
+                  </a:txBody>
+                  <a:tcPr marL="16328" marR="16328" marT="8164" marB="8164" anchor="ctr"/>
+                </a:tc>
+                <a:extLst>
+                  <a:ext uri="{0D108BD9-81ED-4DB2-BD59-A6C34878D82A}">
+                    <a16:rowId xmlns:a16="http://schemas.microsoft.com/office/drawing/2014/main" val="37809704"/>
+                  </a:ext>
+                </a:extLst>
+              </a:tr>
+              <a:tr h="133685">
+                <a:tc>
+                  <a:txBody>
+                    <a:bodyPr/>
+                    <a:lstStyle/>
+                    <a:p>
+                      <a:pPr algn="ctr">
+                        <a:buNone/>
+                      </a:pPr>
+                      <a:r>
+                        <a:rPr lang="pt-BR" sz="700">
+                          <a:effectLst/>
+                        </a:rPr>
+                        <a:t>SOL</a:t>
+                      </a:r>
+                    </a:p>
+                  </a:txBody>
+                  <a:tcPr marL="16328" marR="16328" marT="8164" marB="8164" anchor="ctr"/>
+                </a:tc>
+                <a:tc>
+                  <a:txBody>
+                    <a:bodyPr/>
+                    <a:lstStyle/>
+                    <a:p>
+                      <a:pPr algn="ctr">
+                        <a:buNone/>
+                      </a:pPr>
+                      <a:r>
+                        <a:rPr lang="pt-BR" sz="700">
+                          <a:effectLst/>
+                        </a:rPr>
+                        <a:t>0.00</a:t>
+                      </a:r>
+                    </a:p>
+                  </a:txBody>
+                  <a:tcPr marL="16328" marR="16328" marT="8164" marB="8164" anchor="ctr"/>
+                </a:tc>
+                <a:tc>
+                  <a:txBody>
+                    <a:bodyPr/>
+                    <a:lstStyle/>
+                    <a:p>
+                      <a:pPr algn="ctr">
+                        <a:buNone/>
+                      </a:pPr>
+                      <a:r>
+                        <a:rPr lang="pt-BR" sz="700">
+                          <a:effectLst/>
+                        </a:rPr>
+                        <a:t>0.00</a:t>
+                      </a:r>
+                    </a:p>
+                  </a:txBody>
+                  <a:tcPr marL="16328" marR="16328" marT="8164" marB="8164" anchor="ctr"/>
+                </a:tc>
+                <a:tc>
+                  <a:txBody>
+                    <a:bodyPr/>
+                    <a:lstStyle/>
+                    <a:p>
+                      <a:pPr algn="ctr">
+                        <a:buNone/>
+                      </a:pPr>
+                      <a:r>
+                        <a:rPr lang="pt-BR" sz="700">
+                          <a:effectLst/>
+                        </a:rPr>
+                        <a:t>3.11</a:t>
+                      </a:r>
+                    </a:p>
+                  </a:txBody>
+                  <a:tcPr marL="16328" marR="16328" marT="8164" marB="8164" anchor="ctr"/>
+                </a:tc>
+                <a:extLst>
+                  <a:ext uri="{0D108BD9-81ED-4DB2-BD59-A6C34878D82A}">
+                    <a16:rowId xmlns:a16="http://schemas.microsoft.com/office/drawing/2014/main" val="149423174"/>
+                  </a:ext>
+                </a:extLst>
+              </a:tr>
+              <a:tr h="133685">
+                <a:tc>
+                  <a:txBody>
+                    <a:bodyPr/>
+                    <a:lstStyle/>
+                    <a:p>
+                      <a:pPr algn="ctr">
+                        <a:buNone/>
+                      </a:pPr>
+                      <a:r>
+                        <a:rPr lang="pt-BR" sz="700">
+                          <a:effectLst/>
+                        </a:rPr>
+                        <a:t>GOOGL</a:t>
+                      </a:r>
+                    </a:p>
+                  </a:txBody>
+                  <a:tcPr marL="16328" marR="16328" marT="8164" marB="8164" anchor="ctr"/>
+                </a:tc>
+                <a:tc>
+                  <a:txBody>
+                    <a:bodyPr/>
+                    <a:lstStyle/>
+                    <a:p>
+                      <a:pPr algn="ctr">
+                        <a:buNone/>
+                      </a:pPr>
+                      <a:r>
+                        <a:rPr lang="pt-BR" sz="700">
+                          <a:effectLst/>
+                        </a:rPr>
+                        <a:t>0.00</a:t>
+                      </a:r>
+                    </a:p>
+                  </a:txBody>
+                  <a:tcPr marL="16328" marR="16328" marT="8164" marB="8164" anchor="ctr"/>
+                </a:tc>
+                <a:tc>
+                  <a:txBody>
+                    <a:bodyPr/>
+                    <a:lstStyle/>
+                    <a:p>
+                      <a:pPr algn="ctr">
+                        <a:buNone/>
+                      </a:pPr>
+                      <a:r>
+                        <a:rPr lang="pt-BR" sz="700">
+                          <a:effectLst/>
+                        </a:rPr>
+                        <a:t>0.00</a:t>
+                      </a:r>
+                    </a:p>
+                  </a:txBody>
+                  <a:tcPr marL="16328" marR="16328" marT="8164" marB="8164" anchor="ctr"/>
+                </a:tc>
+                <a:tc>
+                  <a:txBody>
+                    <a:bodyPr/>
+                    <a:lstStyle/>
+                    <a:p>
+                      <a:pPr algn="ctr">
+                        <a:buNone/>
+                      </a:pPr>
+                      <a:r>
+                        <a:rPr lang="pt-BR" sz="700">
+                          <a:effectLst/>
+                        </a:rPr>
+                        <a:t>2.20</a:t>
+                      </a:r>
+                    </a:p>
+                  </a:txBody>
+                  <a:tcPr marL="16328" marR="16328" marT="8164" marB="8164" anchor="ctr"/>
+                </a:tc>
+                <a:extLst>
+                  <a:ext uri="{0D108BD9-81ED-4DB2-BD59-A6C34878D82A}">
+                    <a16:rowId xmlns:a16="http://schemas.microsoft.com/office/drawing/2014/main" val="370736860"/>
+                  </a:ext>
+                </a:extLst>
+              </a:tr>
+              <a:tr h="133685">
+                <a:tc>
+                  <a:txBody>
+                    <a:bodyPr/>
+                    <a:lstStyle/>
+                    <a:p>
+                      <a:pPr algn="ctr">
+                        <a:buNone/>
+                      </a:pPr>
+                      <a:r>
+                        <a:rPr lang="pt-BR" sz="700">
+                          <a:effectLst/>
+                        </a:rPr>
+                        <a:t>NVDA</a:t>
+                      </a:r>
+                    </a:p>
+                  </a:txBody>
+                  <a:tcPr marL="16328" marR="16328" marT="8164" marB="8164" anchor="ctr"/>
+                </a:tc>
+                <a:tc>
+                  <a:txBody>
+                    <a:bodyPr/>
+                    <a:lstStyle/>
+                    <a:p>
+                      <a:pPr algn="ctr">
+                        <a:buNone/>
+                      </a:pPr>
+                      <a:r>
+                        <a:rPr lang="pt-BR" sz="700">
+                          <a:effectLst/>
+                        </a:rPr>
+                        <a:t>0.00</a:t>
+                      </a:r>
+                    </a:p>
+                  </a:txBody>
+                  <a:tcPr marL="16328" marR="16328" marT="8164" marB="8164" anchor="ctr"/>
+                </a:tc>
+                <a:tc>
+                  <a:txBody>
+                    <a:bodyPr/>
+                    <a:lstStyle/>
+                    <a:p>
+                      <a:pPr algn="ctr">
+                        <a:buNone/>
+                      </a:pPr>
+                      <a:r>
+                        <a:rPr lang="pt-BR" sz="700">
+                          <a:effectLst/>
+                        </a:rPr>
+                        <a:t>43.22</a:t>
+                      </a:r>
+                    </a:p>
+                  </a:txBody>
+                  <a:tcPr marL="16328" marR="16328" marT="8164" marB="8164" anchor="ctr"/>
+                </a:tc>
+                <a:tc>
+                  <a:txBody>
+                    <a:bodyPr/>
+                    <a:lstStyle/>
+                    <a:p>
+                      <a:pPr algn="ctr">
+                        <a:buNone/>
+                      </a:pPr>
+                      <a:r>
+                        <a:rPr lang="pt-BR" sz="700">
+                          <a:effectLst/>
+                        </a:rPr>
+                        <a:t>2.02</a:t>
+                      </a:r>
+                    </a:p>
+                  </a:txBody>
+                  <a:tcPr marL="16328" marR="16328" marT="8164" marB="8164" anchor="ctr"/>
+                </a:tc>
+                <a:extLst>
+                  <a:ext uri="{0D108BD9-81ED-4DB2-BD59-A6C34878D82A}">
+                    <a16:rowId xmlns:a16="http://schemas.microsoft.com/office/drawing/2014/main" val="1884268321"/>
+                  </a:ext>
+                </a:extLst>
+              </a:tr>
+              <a:tr h="133685">
+                <a:tc>
+                  <a:txBody>
+                    <a:bodyPr/>
+                    <a:lstStyle/>
+                    <a:p>
+                      <a:pPr algn="ctr">
+                        <a:buNone/>
+                      </a:pPr>
+                      <a:r>
+                        <a:rPr lang="pt-BR" sz="700">
+                          <a:effectLst/>
+                        </a:rPr>
+                        <a:t>NDAQ</a:t>
+                      </a:r>
+                    </a:p>
+                  </a:txBody>
+                  <a:tcPr marL="16328" marR="16328" marT="8164" marB="8164" anchor="ctr"/>
+                </a:tc>
+                <a:tc>
+                  <a:txBody>
+                    <a:bodyPr/>
+                    <a:lstStyle/>
+                    <a:p>
+                      <a:pPr algn="ctr">
+                        <a:buNone/>
+                      </a:pPr>
+                      <a:r>
+                        <a:rPr lang="pt-BR" sz="700">
+                          <a:effectLst/>
+                        </a:rPr>
+                        <a:t>0.00</a:t>
+                      </a:r>
+                    </a:p>
+                  </a:txBody>
+                  <a:tcPr marL="16328" marR="16328" marT="8164" marB="8164" anchor="ctr"/>
+                </a:tc>
+                <a:tc>
+                  <a:txBody>
+                    <a:bodyPr/>
+                    <a:lstStyle/>
+                    <a:p>
+                      <a:pPr algn="ctr">
+                        <a:buNone/>
+                      </a:pPr>
+                      <a:r>
+                        <a:rPr lang="pt-BR" sz="700">
+                          <a:effectLst/>
+                        </a:rPr>
+                        <a:t>0.00</a:t>
+                      </a:r>
+                    </a:p>
+                  </a:txBody>
+                  <a:tcPr marL="16328" marR="16328" marT="8164" marB="8164" anchor="ctr"/>
+                </a:tc>
+                <a:tc>
+                  <a:txBody>
+                    <a:bodyPr/>
+                    <a:lstStyle/>
+                    <a:p>
+                      <a:pPr algn="ctr">
+                        <a:buNone/>
+                      </a:pPr>
+                      <a:r>
+                        <a:rPr lang="pt-BR" sz="700">
+                          <a:effectLst/>
+                        </a:rPr>
+                        <a:t>1.60</a:t>
+                      </a:r>
+                    </a:p>
+                  </a:txBody>
+                  <a:tcPr marL="16328" marR="16328" marT="8164" marB="8164" anchor="ctr"/>
+                </a:tc>
+                <a:extLst>
+                  <a:ext uri="{0D108BD9-81ED-4DB2-BD59-A6C34878D82A}">
+                    <a16:rowId xmlns:a16="http://schemas.microsoft.com/office/drawing/2014/main" val="2743420840"/>
+                  </a:ext>
+                </a:extLst>
+              </a:tr>
+              <a:tr h="133685">
+                <a:tc>
+                  <a:txBody>
+                    <a:bodyPr/>
+                    <a:lstStyle/>
+                    <a:p>
+                      <a:pPr algn="ctr">
+                        <a:buNone/>
+                      </a:pPr>
+                      <a:r>
+                        <a:rPr lang="pt-BR" sz="700">
+                          <a:effectLst/>
+                        </a:rPr>
+                        <a:t>QBTC11</a:t>
+                      </a:r>
+                    </a:p>
+                  </a:txBody>
+                  <a:tcPr marL="16328" marR="16328" marT="8164" marB="8164" anchor="ctr"/>
+                </a:tc>
+                <a:tc>
+                  <a:txBody>
+                    <a:bodyPr/>
+                    <a:lstStyle/>
+                    <a:p>
+                      <a:pPr algn="ctr">
+                        <a:buNone/>
+                      </a:pPr>
+                      <a:r>
+                        <a:rPr lang="pt-BR" sz="700">
+                          <a:effectLst/>
+                        </a:rPr>
+                        <a:t>0.11</a:t>
+                      </a:r>
+                    </a:p>
+                  </a:txBody>
+                  <a:tcPr marL="16328" marR="16328" marT="8164" marB="8164" anchor="ctr"/>
+                </a:tc>
+                <a:tc>
+                  <a:txBody>
+                    <a:bodyPr/>
+                    <a:lstStyle/>
+                    <a:p>
+                      <a:pPr algn="ctr">
+                        <a:buNone/>
+                      </a:pPr>
+                      <a:r>
+                        <a:rPr lang="pt-BR" sz="700">
+                          <a:effectLst/>
+                        </a:rPr>
+                        <a:t>0.00</a:t>
+                      </a:r>
+                    </a:p>
+                  </a:txBody>
+                  <a:tcPr marL="16328" marR="16328" marT="8164" marB="8164" anchor="ctr"/>
+                </a:tc>
+                <a:tc>
+                  <a:txBody>
+                    <a:bodyPr/>
+                    <a:lstStyle/>
+                    <a:p>
+                      <a:pPr algn="ctr">
+                        <a:buNone/>
+                      </a:pPr>
+                      <a:r>
+                        <a:rPr lang="pt-BR" sz="700">
+                          <a:effectLst/>
+                        </a:rPr>
+                        <a:t>1.52</a:t>
+                      </a:r>
+                    </a:p>
+                  </a:txBody>
+                  <a:tcPr marL="16328" marR="16328" marT="8164" marB="8164" anchor="ctr"/>
+                </a:tc>
+                <a:extLst>
+                  <a:ext uri="{0D108BD9-81ED-4DB2-BD59-A6C34878D82A}">
+                    <a16:rowId xmlns:a16="http://schemas.microsoft.com/office/drawing/2014/main" val="3170637668"/>
+                  </a:ext>
+                </a:extLst>
+              </a:tr>
+              <a:tr h="133685">
+                <a:tc>
+                  <a:txBody>
+                    <a:bodyPr/>
+                    <a:lstStyle/>
+                    <a:p>
+                      <a:pPr algn="ctr">
+                        <a:buNone/>
+                      </a:pPr>
+                      <a:r>
+                        <a:rPr lang="pt-BR" sz="700">
+                          <a:effectLst/>
+                        </a:rPr>
+                        <a:t>META</a:t>
+                      </a:r>
+                    </a:p>
+                  </a:txBody>
+                  <a:tcPr marL="16328" marR="16328" marT="8164" marB="8164" anchor="ctr"/>
+                </a:tc>
+                <a:tc>
+                  <a:txBody>
+                    <a:bodyPr/>
+                    <a:lstStyle/>
+                    <a:p>
+                      <a:pPr algn="ctr">
+                        <a:buNone/>
+                      </a:pPr>
+                      <a:r>
+                        <a:rPr lang="pt-BR" sz="700">
+                          <a:effectLst/>
+                        </a:rPr>
+                        <a:t>0.00</a:t>
+                      </a:r>
+                    </a:p>
+                  </a:txBody>
+                  <a:tcPr marL="16328" marR="16328" marT="8164" marB="8164" anchor="ctr"/>
+                </a:tc>
+                <a:tc>
+                  <a:txBody>
+                    <a:bodyPr/>
+                    <a:lstStyle/>
+                    <a:p>
+                      <a:pPr algn="ctr">
+                        <a:buNone/>
+                      </a:pPr>
+                      <a:r>
+                        <a:rPr lang="pt-BR" sz="700">
+                          <a:effectLst/>
+                        </a:rPr>
+                        <a:t>0.00</a:t>
+                      </a:r>
+                    </a:p>
+                  </a:txBody>
+                  <a:tcPr marL="16328" marR="16328" marT="8164" marB="8164" anchor="ctr"/>
+                </a:tc>
+                <a:tc>
+                  <a:txBody>
+                    <a:bodyPr/>
+                    <a:lstStyle/>
+                    <a:p>
+                      <a:pPr algn="ctr">
+                        <a:buNone/>
+                      </a:pPr>
+                      <a:r>
+                        <a:rPr lang="pt-BR" sz="700">
+                          <a:effectLst/>
+                        </a:rPr>
+                        <a:t>1.47</a:t>
+                      </a:r>
+                    </a:p>
+                  </a:txBody>
+                  <a:tcPr marL="16328" marR="16328" marT="8164" marB="8164" anchor="ctr"/>
+                </a:tc>
+                <a:extLst>
+                  <a:ext uri="{0D108BD9-81ED-4DB2-BD59-A6C34878D82A}">
+                    <a16:rowId xmlns:a16="http://schemas.microsoft.com/office/drawing/2014/main" val="393001534"/>
+                  </a:ext>
+                </a:extLst>
+              </a:tr>
+              <a:tr h="133685">
+                <a:tc>
+                  <a:txBody>
+                    <a:bodyPr/>
+                    <a:lstStyle/>
+                    <a:p>
+                      <a:pPr algn="ctr">
+                        <a:buNone/>
+                      </a:pPr>
+                      <a:r>
+                        <a:rPr lang="pt-BR" sz="700">
+                          <a:effectLst/>
+                        </a:rPr>
+                        <a:t>AMZN</a:t>
+                      </a:r>
+                    </a:p>
+                  </a:txBody>
+                  <a:tcPr marL="16328" marR="16328" marT="8164" marB="8164" anchor="ctr"/>
+                </a:tc>
+                <a:tc>
+                  <a:txBody>
+                    <a:bodyPr/>
+                    <a:lstStyle/>
+                    <a:p>
+                      <a:pPr algn="ctr">
+                        <a:buNone/>
+                      </a:pPr>
+                      <a:r>
+                        <a:rPr lang="pt-BR" sz="700">
+                          <a:effectLst/>
+                        </a:rPr>
+                        <a:t>0.00</a:t>
+                      </a:r>
+                    </a:p>
+                  </a:txBody>
+                  <a:tcPr marL="16328" marR="16328" marT="8164" marB="8164" anchor="ctr"/>
+                </a:tc>
+                <a:tc>
+                  <a:txBody>
+                    <a:bodyPr/>
+                    <a:lstStyle/>
+                    <a:p>
+                      <a:pPr algn="ctr">
+                        <a:buNone/>
+                      </a:pPr>
+                      <a:r>
+                        <a:rPr lang="pt-BR" sz="700">
+                          <a:effectLst/>
+                        </a:rPr>
+                        <a:t>0.00</a:t>
+                      </a:r>
+                    </a:p>
+                  </a:txBody>
+                  <a:tcPr marL="16328" marR="16328" marT="8164" marB="8164" anchor="ctr"/>
+                </a:tc>
+                <a:tc>
+                  <a:txBody>
+                    <a:bodyPr/>
+                    <a:lstStyle/>
+                    <a:p>
+                      <a:pPr algn="ctr">
+                        <a:buNone/>
+                      </a:pPr>
+                      <a:r>
+                        <a:rPr lang="pt-BR" sz="700">
+                          <a:effectLst/>
+                        </a:rPr>
+                        <a:t>1.37</a:t>
+                      </a:r>
+                    </a:p>
+                  </a:txBody>
+                  <a:tcPr marL="16328" marR="16328" marT="8164" marB="8164" anchor="ctr"/>
+                </a:tc>
+                <a:extLst>
+                  <a:ext uri="{0D108BD9-81ED-4DB2-BD59-A6C34878D82A}">
+                    <a16:rowId xmlns:a16="http://schemas.microsoft.com/office/drawing/2014/main" val="4002641674"/>
+                  </a:ext>
+                </a:extLst>
+              </a:tr>
+              <a:tr h="249626">
+                <a:tc>
+                  <a:txBody>
+                    <a:bodyPr/>
+                    <a:lstStyle/>
+                    <a:p>
+                      <a:pPr algn="ctr">
+                        <a:buNone/>
+                      </a:pPr>
+                      <a:r>
+                        <a:rPr lang="pt-BR" sz="700">
+                          <a:effectLst/>
+                        </a:rPr>
+                        <a:t>COE GS Commodities</a:t>
+                      </a:r>
+                    </a:p>
+                  </a:txBody>
+                  <a:tcPr marL="16328" marR="16328" marT="8164" marB="8164" anchor="ctr"/>
+                </a:tc>
+                <a:tc>
+                  <a:txBody>
+                    <a:bodyPr/>
+                    <a:lstStyle/>
+                    <a:p>
+                      <a:pPr algn="ctr">
+                        <a:buNone/>
+                      </a:pPr>
+                      <a:r>
+                        <a:rPr lang="pt-BR" sz="700">
+                          <a:effectLst/>
+                        </a:rPr>
+                        <a:t>0.92</a:t>
+                      </a:r>
+                    </a:p>
+                  </a:txBody>
+                  <a:tcPr marL="16328" marR="16328" marT="8164" marB="8164" anchor="ctr"/>
+                </a:tc>
+                <a:tc>
+                  <a:txBody>
+                    <a:bodyPr/>
+                    <a:lstStyle/>
+                    <a:p>
+                      <a:pPr algn="ctr">
+                        <a:buNone/>
+                      </a:pPr>
+                      <a:r>
+                        <a:rPr lang="pt-BR" sz="700">
+                          <a:effectLst/>
+                        </a:rPr>
+                        <a:t>0.00</a:t>
+                      </a:r>
+                    </a:p>
+                  </a:txBody>
+                  <a:tcPr marL="16328" marR="16328" marT="8164" marB="8164" anchor="ctr"/>
+                </a:tc>
+                <a:tc>
+                  <a:txBody>
+                    <a:bodyPr/>
+                    <a:lstStyle/>
+                    <a:p>
+                      <a:pPr algn="ctr">
+                        <a:buNone/>
+                      </a:pPr>
+                      <a:r>
+                        <a:rPr lang="pt-BR" sz="700">
+                          <a:effectLst/>
+                        </a:rPr>
+                        <a:t>0.89</a:t>
+                      </a:r>
+                    </a:p>
+                  </a:txBody>
+                  <a:tcPr marL="16328" marR="16328" marT="8164" marB="8164" anchor="ctr"/>
+                </a:tc>
+                <a:extLst>
+                  <a:ext uri="{0D108BD9-81ED-4DB2-BD59-A6C34878D82A}">
+                    <a16:rowId xmlns:a16="http://schemas.microsoft.com/office/drawing/2014/main" val="2517864159"/>
+                  </a:ext>
+                </a:extLst>
+              </a:tr>
+              <a:tr h="249626">
+                <a:tc>
+                  <a:txBody>
+                    <a:bodyPr/>
+                    <a:lstStyle/>
+                    <a:p>
+                      <a:pPr algn="ctr">
+                        <a:buNone/>
+                      </a:pPr>
+                      <a:r>
+                        <a:rPr lang="pt-BR" sz="700">
+                          <a:effectLst/>
+                        </a:rPr>
+                        <a:t>BNP Paribas RF FIF RF</a:t>
+                      </a:r>
+                    </a:p>
+                  </a:txBody>
+                  <a:tcPr marL="16328" marR="16328" marT="8164" marB="8164" anchor="ctr"/>
+                </a:tc>
+                <a:tc>
+                  <a:txBody>
+                    <a:bodyPr/>
+                    <a:lstStyle/>
+                    <a:p>
+                      <a:pPr algn="ctr">
+                        <a:buNone/>
+                      </a:pPr>
+                      <a:r>
+                        <a:rPr lang="pt-BR" sz="700">
+                          <a:effectLst/>
+                        </a:rPr>
+                        <a:t>15.27</a:t>
+                      </a:r>
+                    </a:p>
+                  </a:txBody>
+                  <a:tcPr marL="16328" marR="16328" marT="8164" marB="8164" anchor="ctr"/>
+                </a:tc>
+                <a:tc>
+                  <a:txBody>
+                    <a:bodyPr/>
+                    <a:lstStyle/>
+                    <a:p>
+                      <a:pPr algn="ctr">
+                        <a:buNone/>
+                      </a:pPr>
+                      <a:r>
+                        <a:rPr lang="pt-BR" sz="700">
+                          <a:effectLst/>
+                        </a:rPr>
+                        <a:t>0.00</a:t>
+                      </a:r>
+                    </a:p>
+                  </a:txBody>
+                  <a:tcPr marL="16328" marR="16328" marT="8164" marB="8164" anchor="ctr"/>
+                </a:tc>
+                <a:tc>
+                  <a:txBody>
+                    <a:bodyPr/>
+                    <a:lstStyle/>
+                    <a:p>
+                      <a:pPr algn="ctr">
+                        <a:buNone/>
+                      </a:pPr>
+                      <a:r>
+                        <a:rPr lang="pt-BR" sz="700">
+                          <a:effectLst/>
+                        </a:rPr>
+                        <a:t>0.84</a:t>
+                      </a:r>
+                    </a:p>
+                  </a:txBody>
+                  <a:tcPr marL="16328" marR="16328" marT="8164" marB="8164" anchor="ctr"/>
+                </a:tc>
+                <a:extLst>
+                  <a:ext uri="{0D108BD9-81ED-4DB2-BD59-A6C34878D82A}">
+                    <a16:rowId xmlns:a16="http://schemas.microsoft.com/office/drawing/2014/main" val="4002798498"/>
+                  </a:ext>
+                </a:extLst>
+              </a:tr>
+              <a:tr h="249626">
+                <a:tc>
+                  <a:txBody>
+                    <a:bodyPr/>
+                    <a:lstStyle/>
+                    <a:p>
+                      <a:pPr algn="ctr">
+                        <a:buNone/>
+                      </a:pPr>
+                      <a:r>
+                        <a:rPr lang="en-US" sz="700">
+                          <a:effectLst/>
+                        </a:rPr>
+                        <a:t>JP Morgan Global High Yield Bon</a:t>
+                      </a:r>
+                    </a:p>
+                  </a:txBody>
+                  <a:tcPr marL="16328" marR="16328" marT="8164" marB="8164" anchor="ctr"/>
+                </a:tc>
+                <a:tc>
+                  <a:txBody>
+                    <a:bodyPr/>
+                    <a:lstStyle/>
+                    <a:p>
+                      <a:pPr algn="ctr">
+                        <a:buNone/>
+                      </a:pPr>
+                      <a:r>
+                        <a:rPr lang="pt-BR" sz="700">
+                          <a:effectLst/>
+                        </a:rPr>
+                        <a:t>1.28</a:t>
+                      </a:r>
+                    </a:p>
+                  </a:txBody>
+                  <a:tcPr marL="16328" marR="16328" marT="8164" marB="8164" anchor="ctr"/>
+                </a:tc>
+                <a:tc>
+                  <a:txBody>
+                    <a:bodyPr/>
+                    <a:lstStyle/>
+                    <a:p>
+                      <a:pPr algn="ctr">
+                        <a:buNone/>
+                      </a:pPr>
+                      <a:r>
+                        <a:rPr lang="pt-BR" sz="700">
+                          <a:effectLst/>
+                        </a:rPr>
+                        <a:t>0.00</a:t>
+                      </a:r>
+                    </a:p>
+                  </a:txBody>
+                  <a:tcPr marL="16328" marR="16328" marT="8164" marB="8164" anchor="ctr"/>
+                </a:tc>
+                <a:tc>
+                  <a:txBody>
+                    <a:bodyPr/>
+                    <a:lstStyle/>
+                    <a:p>
+                      <a:pPr algn="ctr">
+                        <a:buNone/>
+                      </a:pPr>
+                      <a:r>
+                        <a:rPr lang="pt-BR" sz="700">
+                          <a:effectLst/>
+                        </a:rPr>
+                        <a:t>0.82</a:t>
+                      </a:r>
+                    </a:p>
+                  </a:txBody>
+                  <a:tcPr marL="16328" marR="16328" marT="8164" marB="8164" anchor="ctr"/>
+                </a:tc>
+                <a:extLst>
+                  <a:ext uri="{0D108BD9-81ED-4DB2-BD59-A6C34878D82A}">
+                    <a16:rowId xmlns:a16="http://schemas.microsoft.com/office/drawing/2014/main" val="4005903656"/>
+                  </a:ext>
+                </a:extLst>
+              </a:tr>
+              <a:tr h="249626">
+                <a:tc>
+                  <a:txBody>
+                    <a:bodyPr/>
+                    <a:lstStyle/>
+                    <a:p>
+                      <a:pPr algn="ctr">
+                        <a:buNone/>
+                      </a:pPr>
+                      <a:r>
+                        <a:rPr lang="en-US" sz="700">
+                          <a:effectLst/>
+                        </a:rPr>
+                        <a:t>Daycoval Classic CIC FIRF CP RL</a:t>
+                      </a:r>
+                    </a:p>
+                  </a:txBody>
+                  <a:tcPr marL="16328" marR="16328" marT="8164" marB="8164" anchor="ctr"/>
+                </a:tc>
+                <a:tc>
+                  <a:txBody>
+                    <a:bodyPr/>
+                    <a:lstStyle/>
+                    <a:p>
+                      <a:pPr algn="ctr">
+                        <a:buNone/>
+                      </a:pPr>
+                      <a:r>
+                        <a:rPr lang="pt-BR" sz="700">
+                          <a:effectLst/>
+                        </a:rPr>
+                        <a:t>15.16</a:t>
+                      </a:r>
+                    </a:p>
+                  </a:txBody>
+                  <a:tcPr marL="16328" marR="16328" marT="8164" marB="8164" anchor="ctr"/>
+                </a:tc>
+                <a:tc>
+                  <a:txBody>
+                    <a:bodyPr/>
+                    <a:lstStyle/>
+                    <a:p>
+                      <a:pPr algn="ctr">
+                        <a:buNone/>
+                      </a:pPr>
+                      <a:r>
+                        <a:rPr lang="pt-BR" sz="700">
+                          <a:effectLst/>
+                        </a:rPr>
+                        <a:t>0.00</a:t>
+                      </a:r>
+                    </a:p>
+                  </a:txBody>
+                  <a:tcPr marL="16328" marR="16328" marT="8164" marB="8164" anchor="ctr"/>
+                </a:tc>
+                <a:tc>
+                  <a:txBody>
+                    <a:bodyPr/>
+                    <a:lstStyle/>
+                    <a:p>
+                      <a:pPr algn="ctr">
+                        <a:buNone/>
+                      </a:pPr>
+                      <a:r>
+                        <a:rPr lang="pt-BR" sz="700">
+                          <a:effectLst/>
+                        </a:rPr>
+                        <a:t>0.66</a:t>
+                      </a:r>
+                    </a:p>
+                  </a:txBody>
+                  <a:tcPr marL="16328" marR="16328" marT="8164" marB="8164" anchor="ctr"/>
+                </a:tc>
+                <a:extLst>
+                  <a:ext uri="{0D108BD9-81ED-4DB2-BD59-A6C34878D82A}">
+                    <a16:rowId xmlns:a16="http://schemas.microsoft.com/office/drawing/2014/main" val="3426125230"/>
+                  </a:ext>
+                </a:extLst>
+              </a:tr>
+              <a:tr h="249626">
+                <a:tc>
+                  <a:txBody>
+                    <a:bodyPr/>
+                    <a:lstStyle/>
+                    <a:p>
+                      <a:pPr algn="ctr">
+                        <a:buNone/>
+                      </a:pPr>
+                      <a:r>
+                        <a:rPr lang="pt-BR" sz="700">
+                          <a:effectLst/>
+                        </a:rPr>
+                        <a:t>Fundo 24 Horas FIRF RL</a:t>
+                      </a:r>
+                    </a:p>
+                  </a:txBody>
+                  <a:tcPr marL="16328" marR="16328" marT="8164" marB="8164" anchor="ctr"/>
+                </a:tc>
+                <a:tc>
+                  <a:txBody>
+                    <a:bodyPr/>
+                    <a:lstStyle/>
+                    <a:p>
+                      <a:pPr algn="ctr">
+                        <a:buNone/>
+                      </a:pPr>
+                      <a:r>
+                        <a:rPr lang="pt-BR" sz="700">
+                          <a:effectLst/>
+                        </a:rPr>
+                        <a:t>15.68</a:t>
+                      </a:r>
+                    </a:p>
+                  </a:txBody>
+                  <a:tcPr marL="16328" marR="16328" marT="8164" marB="8164" anchor="ctr"/>
+                </a:tc>
+                <a:tc>
+                  <a:txBody>
+                    <a:bodyPr/>
+                    <a:lstStyle/>
+                    <a:p>
+                      <a:pPr algn="ctr">
+                        <a:buNone/>
+                      </a:pPr>
+                      <a:r>
+                        <a:rPr lang="pt-BR" sz="700">
+                          <a:effectLst/>
+                        </a:rPr>
+                        <a:t>0.00</a:t>
+                      </a:r>
+                    </a:p>
+                  </a:txBody>
+                  <a:tcPr marL="16328" marR="16328" marT="8164" marB="8164" anchor="ctr"/>
+                </a:tc>
+                <a:tc>
+                  <a:txBody>
+                    <a:bodyPr/>
+                    <a:lstStyle/>
+                    <a:p>
+                      <a:pPr algn="ctr">
+                        <a:buNone/>
+                      </a:pPr>
+                      <a:r>
+                        <a:rPr lang="pt-BR" sz="700">
+                          <a:effectLst/>
+                        </a:rPr>
+                        <a:t>0.65</a:t>
+                      </a:r>
+                    </a:p>
+                  </a:txBody>
+                  <a:tcPr marL="16328" marR="16328" marT="8164" marB="8164" anchor="ctr"/>
+                </a:tc>
+                <a:extLst>
+                  <a:ext uri="{0D108BD9-81ED-4DB2-BD59-A6C34878D82A}">
+                    <a16:rowId xmlns:a16="http://schemas.microsoft.com/office/drawing/2014/main" val="393199307"/>
+                  </a:ext>
+                </a:extLst>
+              </a:tr>
+              <a:tr h="249626">
+                <a:tc>
+                  <a:txBody>
+                    <a:bodyPr/>
+                    <a:lstStyle/>
+                    <a:p>
+                      <a:pPr algn="ctr">
+                        <a:buNone/>
+                      </a:pPr>
+                      <a:r>
+                        <a:rPr lang="en-US" sz="700">
+                          <a:effectLst/>
+                        </a:rPr>
+                        <a:t>Plural Yield FIF RF Referenciad</a:t>
+                      </a:r>
+                    </a:p>
+                  </a:txBody>
+                  <a:tcPr marL="16328" marR="16328" marT="8164" marB="8164" anchor="ctr"/>
+                </a:tc>
+                <a:tc>
+                  <a:txBody>
+                    <a:bodyPr/>
+                    <a:lstStyle/>
+                    <a:p>
+                      <a:pPr algn="ctr">
+                        <a:buNone/>
+                      </a:pPr>
+                      <a:r>
+                        <a:rPr lang="pt-BR" sz="700">
+                          <a:effectLst/>
+                        </a:rPr>
+                        <a:t>15.71</a:t>
+                      </a:r>
+                    </a:p>
+                  </a:txBody>
+                  <a:tcPr marL="16328" marR="16328" marT="8164" marB="8164" anchor="ctr"/>
+                </a:tc>
+                <a:tc>
+                  <a:txBody>
+                    <a:bodyPr/>
+                    <a:lstStyle/>
+                    <a:p>
+                      <a:pPr algn="ctr">
+                        <a:buNone/>
+                      </a:pPr>
+                      <a:r>
+                        <a:rPr lang="pt-BR" sz="700">
+                          <a:effectLst/>
+                        </a:rPr>
+                        <a:t>0.00</a:t>
+                      </a:r>
+                    </a:p>
+                  </a:txBody>
+                  <a:tcPr marL="16328" marR="16328" marT="8164" marB="8164" anchor="ctr"/>
+                </a:tc>
+                <a:tc>
+                  <a:txBody>
+                    <a:bodyPr/>
+                    <a:lstStyle/>
+                    <a:p>
+                      <a:pPr algn="ctr">
+                        <a:buNone/>
+                      </a:pPr>
+                      <a:r>
+                        <a:rPr lang="pt-BR" sz="700">
+                          <a:effectLst/>
+                        </a:rPr>
+                        <a:t>0.38</a:t>
+                      </a:r>
+                    </a:p>
+                  </a:txBody>
+                  <a:tcPr marL="16328" marR="16328" marT="8164" marB="8164" anchor="ctr"/>
+                </a:tc>
+                <a:extLst>
+                  <a:ext uri="{0D108BD9-81ED-4DB2-BD59-A6C34878D82A}">
+                    <a16:rowId xmlns:a16="http://schemas.microsoft.com/office/drawing/2014/main" val="1157669343"/>
+                  </a:ext>
+                </a:extLst>
+              </a:tr>
+              <a:tr h="249626">
+                <a:tc>
+                  <a:txBody>
+                    <a:bodyPr/>
+                    <a:lstStyle/>
+                    <a:p>
+                      <a:pPr algn="ctr">
+                        <a:buNone/>
+                      </a:pPr>
+                      <a:r>
+                        <a:rPr lang="en-US" sz="700">
+                          <a:effectLst/>
+                        </a:rPr>
+                        <a:t>Absolute Atenas Advisory FIC FI</a:t>
+                      </a:r>
+                    </a:p>
+                  </a:txBody>
+                  <a:tcPr marL="16328" marR="16328" marT="8164" marB="8164" anchor="ctr"/>
+                </a:tc>
+                <a:tc>
+                  <a:txBody>
+                    <a:bodyPr/>
+                    <a:lstStyle/>
+                    <a:p>
+                      <a:pPr algn="ctr">
+                        <a:buNone/>
+                      </a:pPr>
+                      <a:r>
+                        <a:rPr lang="pt-BR" sz="700">
+                          <a:effectLst/>
+                        </a:rPr>
+                        <a:t>13.27</a:t>
+                      </a:r>
+                    </a:p>
+                  </a:txBody>
+                  <a:tcPr marL="16328" marR="16328" marT="8164" marB="8164" anchor="ctr"/>
+                </a:tc>
+                <a:tc>
+                  <a:txBody>
+                    <a:bodyPr/>
+                    <a:lstStyle/>
+                    <a:p>
+                      <a:pPr algn="ctr">
+                        <a:buNone/>
+                      </a:pPr>
+                      <a:r>
+                        <a:rPr lang="pt-BR" sz="700">
+                          <a:effectLst/>
+                        </a:rPr>
+                        <a:t>0.00</a:t>
+                      </a:r>
+                    </a:p>
+                  </a:txBody>
+                  <a:tcPr marL="16328" marR="16328" marT="8164" marB="8164" anchor="ctr"/>
+                </a:tc>
+                <a:tc>
+                  <a:txBody>
+                    <a:bodyPr/>
+                    <a:lstStyle/>
+                    <a:p>
+                      <a:pPr algn="ctr">
+                        <a:buNone/>
+                      </a:pPr>
+                      <a:r>
+                        <a:rPr lang="pt-BR" sz="700">
+                          <a:effectLst/>
+                        </a:rPr>
+                        <a:t>0.16</a:t>
+                      </a:r>
+                    </a:p>
+                  </a:txBody>
+                  <a:tcPr marL="16328" marR="16328" marT="8164" marB="8164" anchor="ctr"/>
+                </a:tc>
+                <a:extLst>
+                  <a:ext uri="{0D108BD9-81ED-4DB2-BD59-A6C34878D82A}">
+                    <a16:rowId xmlns:a16="http://schemas.microsoft.com/office/drawing/2014/main" val="1066155771"/>
+                  </a:ext>
+                </a:extLst>
+              </a:tr>
+              <a:tr h="249626">
+                <a:tc>
+                  <a:txBody>
+                    <a:bodyPr/>
+                    <a:lstStyle/>
+                    <a:p>
+                      <a:pPr algn="ctr">
+                        <a:buNone/>
+                      </a:pPr>
+                      <a:r>
+                        <a:rPr lang="en-US" sz="700">
+                          <a:effectLst/>
+                        </a:rPr>
+                        <a:t>Trend Investback FIC FIRF Simpl</a:t>
+                      </a:r>
+                    </a:p>
+                  </a:txBody>
+                  <a:tcPr marL="16328" marR="16328" marT="8164" marB="8164" anchor="ctr"/>
+                </a:tc>
+                <a:tc>
+                  <a:txBody>
+                    <a:bodyPr/>
+                    <a:lstStyle/>
+                    <a:p>
+                      <a:pPr algn="ctr">
+                        <a:buNone/>
+                      </a:pPr>
+                      <a:r>
+                        <a:rPr lang="pt-BR" sz="700">
+                          <a:effectLst/>
+                        </a:rPr>
+                        <a:t>16.02</a:t>
+                      </a:r>
+                    </a:p>
+                  </a:txBody>
+                  <a:tcPr marL="16328" marR="16328" marT="8164" marB="8164" anchor="ctr"/>
+                </a:tc>
+                <a:tc>
+                  <a:txBody>
+                    <a:bodyPr/>
+                    <a:lstStyle/>
+                    <a:p>
+                      <a:pPr algn="ctr">
+                        <a:buNone/>
+                      </a:pPr>
+                      <a:r>
+                        <a:rPr lang="pt-BR" sz="700">
+                          <a:effectLst/>
+                        </a:rPr>
+                        <a:t>0.00</a:t>
+                      </a:r>
+                    </a:p>
+                  </a:txBody>
+                  <a:tcPr marL="16328" marR="16328" marT="8164" marB="8164" anchor="ctr"/>
+                </a:tc>
+                <a:tc>
+                  <a:txBody>
+                    <a:bodyPr/>
+                    <a:lstStyle/>
+                    <a:p>
+                      <a:pPr algn="ctr">
+                        <a:buNone/>
+                      </a:pPr>
+                      <a:r>
+                        <a:rPr lang="pt-BR" sz="700">
+                          <a:effectLst/>
+                        </a:rPr>
+                        <a:t>0.13</a:t>
+                      </a:r>
+                    </a:p>
+                  </a:txBody>
+                  <a:tcPr marL="16328" marR="16328" marT="8164" marB="8164" anchor="ctr"/>
+                </a:tc>
+                <a:extLst>
+                  <a:ext uri="{0D108BD9-81ED-4DB2-BD59-A6C34878D82A}">
+                    <a16:rowId xmlns:a16="http://schemas.microsoft.com/office/drawing/2014/main" val="4006565498"/>
+                  </a:ext>
+                </a:extLst>
+              </a:tr>
+              <a:tr h="365567">
+                <a:tc>
+                  <a:txBody>
+                    <a:bodyPr/>
+                    <a:lstStyle/>
+                    <a:p>
+                      <a:pPr algn="ctr">
+                        <a:buNone/>
+                      </a:pPr>
+                      <a:r>
+                        <a:rPr lang="pt-BR" sz="700">
+                          <a:effectLst/>
+                        </a:rPr>
+                        <a:t>Sparta Debêntures Incentivadas</a:t>
+                      </a:r>
+                    </a:p>
+                  </a:txBody>
+                  <a:tcPr marL="16328" marR="16328" marT="8164" marB="8164" anchor="ctr"/>
+                </a:tc>
+                <a:tc>
+                  <a:txBody>
+                    <a:bodyPr/>
+                    <a:lstStyle/>
+                    <a:p>
+                      <a:pPr algn="ctr">
+                        <a:buNone/>
+                      </a:pPr>
+                      <a:r>
+                        <a:rPr lang="pt-BR" sz="700">
+                          <a:effectLst/>
+                        </a:rPr>
+                        <a:t>0.00</a:t>
+                      </a:r>
+                    </a:p>
+                  </a:txBody>
+                  <a:tcPr marL="16328" marR="16328" marT="8164" marB="8164" anchor="ctr"/>
+                </a:tc>
+                <a:tc>
+                  <a:txBody>
+                    <a:bodyPr/>
+                    <a:lstStyle/>
+                    <a:p>
+                      <a:pPr algn="ctr">
+                        <a:buNone/>
+                      </a:pPr>
+                      <a:r>
+                        <a:rPr lang="pt-BR" sz="700">
+                          <a:effectLst/>
+                        </a:rPr>
+                        <a:t>0.00</a:t>
+                      </a:r>
+                    </a:p>
+                  </a:txBody>
+                  <a:tcPr marL="16328" marR="16328" marT="8164" marB="8164" anchor="ctr"/>
+                </a:tc>
+                <a:tc>
+                  <a:txBody>
+                    <a:bodyPr/>
+                    <a:lstStyle/>
+                    <a:p>
+                      <a:pPr algn="ctr">
+                        <a:buNone/>
+                      </a:pPr>
+                      <a:r>
+                        <a:rPr lang="pt-BR" sz="700">
+                          <a:effectLst/>
+                        </a:rPr>
+                        <a:t>0.12</a:t>
+                      </a:r>
+                    </a:p>
+                  </a:txBody>
+                  <a:tcPr marL="16328" marR="16328" marT="8164" marB="8164" anchor="ctr"/>
+                </a:tc>
+                <a:extLst>
+                  <a:ext uri="{0D108BD9-81ED-4DB2-BD59-A6C34878D82A}">
+                    <a16:rowId xmlns:a16="http://schemas.microsoft.com/office/drawing/2014/main" val="1624704363"/>
+                  </a:ext>
+                </a:extLst>
+              </a:tr>
+              <a:tr h="133685">
+                <a:tc>
+                  <a:txBody>
+                    <a:bodyPr/>
+                    <a:lstStyle/>
+                    <a:p>
+                      <a:pPr algn="ctr">
+                        <a:buNone/>
+                      </a:pPr>
+                      <a:r>
+                        <a:rPr lang="pt-BR" sz="700">
+                          <a:effectLst/>
+                        </a:rPr>
+                        <a:t>ITUB4</a:t>
+                      </a:r>
+                    </a:p>
+                  </a:txBody>
+                  <a:tcPr marL="16328" marR="16328" marT="8164" marB="8164" anchor="ctr"/>
+                </a:tc>
+                <a:tc>
+                  <a:txBody>
+                    <a:bodyPr/>
+                    <a:lstStyle/>
+                    <a:p>
+                      <a:pPr algn="ctr">
+                        <a:buNone/>
+                      </a:pPr>
+                      <a:r>
+                        <a:rPr lang="pt-BR" sz="700">
+                          <a:effectLst/>
+                        </a:rPr>
+                        <a:t>0.00</a:t>
+                      </a:r>
+                    </a:p>
+                  </a:txBody>
+                  <a:tcPr marL="16328" marR="16328" marT="8164" marB="8164" anchor="ctr"/>
+                </a:tc>
+                <a:tc>
+                  <a:txBody>
+                    <a:bodyPr/>
+                    <a:lstStyle/>
+                    <a:p>
+                      <a:pPr algn="ctr">
+                        <a:buNone/>
+                      </a:pPr>
+                      <a:r>
+                        <a:rPr lang="pt-BR" sz="700">
+                          <a:effectLst/>
+                        </a:rPr>
+                        <a:t>27.78</a:t>
+                      </a:r>
+                    </a:p>
+                  </a:txBody>
+                  <a:tcPr marL="16328" marR="16328" marT="8164" marB="8164" anchor="ctr"/>
+                </a:tc>
+                <a:tc>
+                  <a:txBody>
+                    <a:bodyPr/>
+                    <a:lstStyle/>
+                    <a:p>
+                      <a:pPr algn="ctr">
+                        <a:buNone/>
+                      </a:pPr>
+                      <a:r>
+                        <a:rPr lang="pt-BR" sz="700">
+                          <a:effectLst/>
+                        </a:rPr>
+                        <a:t>0.04</a:t>
+                      </a:r>
+                    </a:p>
+                  </a:txBody>
+                  <a:tcPr marL="16328" marR="16328" marT="8164" marB="8164" anchor="ctr"/>
+                </a:tc>
+                <a:extLst>
+                  <a:ext uri="{0D108BD9-81ED-4DB2-BD59-A6C34878D82A}">
+                    <a16:rowId xmlns:a16="http://schemas.microsoft.com/office/drawing/2014/main" val="1798680757"/>
+                  </a:ext>
+                </a:extLst>
+              </a:tr>
+              <a:tr h="133685">
+                <a:tc>
+                  <a:txBody>
+                    <a:bodyPr/>
+                    <a:lstStyle/>
+                    <a:p>
+                      <a:pPr algn="ctr">
+                        <a:buNone/>
+                      </a:pPr>
+                      <a:r>
+                        <a:rPr lang="pt-BR" sz="700">
+                          <a:effectLst/>
+                        </a:rPr>
+                        <a:t>BBAS3</a:t>
+                      </a:r>
+                    </a:p>
+                  </a:txBody>
+                  <a:tcPr marL="16328" marR="16328" marT="8164" marB="8164" anchor="ctr"/>
+                </a:tc>
+                <a:tc>
+                  <a:txBody>
+                    <a:bodyPr/>
+                    <a:lstStyle/>
+                    <a:p>
+                      <a:pPr algn="ctr">
+                        <a:buNone/>
+                      </a:pPr>
+                      <a:r>
+                        <a:rPr lang="pt-BR" sz="700">
+                          <a:effectLst/>
+                        </a:rPr>
+                        <a:t>0.03</a:t>
+                      </a:r>
+                    </a:p>
+                  </a:txBody>
+                  <a:tcPr marL="16328" marR="16328" marT="8164" marB="8164" anchor="ctr"/>
+                </a:tc>
+                <a:tc>
+                  <a:txBody>
+                    <a:bodyPr/>
+                    <a:lstStyle/>
+                    <a:p>
+                      <a:pPr algn="ctr">
+                        <a:buNone/>
+                      </a:pPr>
+                      <a:r>
+                        <a:rPr lang="pt-BR" sz="700">
+                          <a:effectLst/>
+                        </a:rPr>
+                        <a:t>0.00</a:t>
+                      </a:r>
+                    </a:p>
+                  </a:txBody>
+                  <a:tcPr marL="16328" marR="16328" marT="8164" marB="8164" anchor="ctr"/>
+                </a:tc>
+                <a:tc>
+                  <a:txBody>
+                    <a:bodyPr/>
+                    <a:lstStyle/>
+                    <a:p>
+                      <a:pPr algn="ctr">
+                        <a:buNone/>
+                      </a:pPr>
+                      <a:r>
+                        <a:rPr lang="pt-BR" sz="700">
+                          <a:effectLst/>
+                        </a:rPr>
+                        <a:t>0.04</a:t>
+                      </a:r>
+                    </a:p>
+                  </a:txBody>
+                  <a:tcPr marL="16328" marR="16328" marT="8164" marB="8164" anchor="ctr"/>
+                </a:tc>
+                <a:extLst>
+                  <a:ext uri="{0D108BD9-81ED-4DB2-BD59-A6C34878D82A}">
+                    <a16:rowId xmlns:a16="http://schemas.microsoft.com/office/drawing/2014/main" val="2403601899"/>
+                  </a:ext>
+                </a:extLst>
+              </a:tr>
+              <a:tr h="133685">
+                <a:tc>
+                  <a:txBody>
+                    <a:bodyPr/>
+                    <a:lstStyle/>
+                    <a:p>
+                      <a:pPr algn="ctr">
+                        <a:buNone/>
+                      </a:pPr>
+                      <a:r>
+                        <a:rPr lang="pt-BR" sz="700">
+                          <a:effectLst/>
+                        </a:rPr>
+                        <a:t>VOO</a:t>
+                      </a:r>
+                    </a:p>
+                  </a:txBody>
+                  <a:tcPr marL="16328" marR="16328" marT="8164" marB="8164" anchor="ctr"/>
+                </a:tc>
+                <a:tc>
+                  <a:txBody>
+                    <a:bodyPr/>
+                    <a:lstStyle/>
+                    <a:p>
+                      <a:pPr algn="ctr">
+                        <a:buNone/>
+                      </a:pPr>
+                      <a:r>
+                        <a:rPr lang="pt-BR" sz="700">
+                          <a:effectLst/>
+                        </a:rPr>
+                        <a:t>0.00</a:t>
+                      </a:r>
+                    </a:p>
+                  </a:txBody>
+                  <a:tcPr marL="16328" marR="16328" marT="8164" marB="8164" anchor="ctr"/>
+                </a:tc>
+                <a:tc>
+                  <a:txBody>
+                    <a:bodyPr/>
+                    <a:lstStyle/>
+                    <a:p>
+                      <a:pPr algn="ctr">
+                        <a:buNone/>
+                      </a:pPr>
+                      <a:r>
+                        <a:rPr lang="pt-BR" sz="700">
+                          <a:effectLst/>
+                        </a:rPr>
+                        <a:t>0.00</a:t>
+                      </a:r>
+                    </a:p>
+                  </a:txBody>
+                  <a:tcPr marL="16328" marR="16328" marT="8164" marB="8164" anchor="ctr"/>
+                </a:tc>
+                <a:tc>
+                  <a:txBody>
+                    <a:bodyPr/>
+                    <a:lstStyle/>
+                    <a:p>
+                      <a:pPr algn="ctr">
+                        <a:buNone/>
+                      </a:pPr>
+                      <a:r>
+                        <a:rPr lang="pt-BR" sz="700">
+                          <a:effectLst/>
+                        </a:rPr>
+                        <a:t>0.04</a:t>
+                      </a:r>
+                    </a:p>
+                  </a:txBody>
+                  <a:tcPr marL="16328" marR="16328" marT="8164" marB="8164" anchor="ctr"/>
+                </a:tc>
+                <a:extLst>
+                  <a:ext uri="{0D108BD9-81ED-4DB2-BD59-A6C34878D82A}">
+                    <a16:rowId xmlns:a16="http://schemas.microsoft.com/office/drawing/2014/main" val="1115868021"/>
+                  </a:ext>
+                </a:extLst>
+              </a:tr>
+              <a:tr h="133685">
+                <a:tc>
+                  <a:txBody>
+                    <a:bodyPr/>
+                    <a:lstStyle/>
+                    <a:p>
+                      <a:pPr algn="ctr">
+                        <a:buNone/>
+                      </a:pPr>
+                      <a:r>
+                        <a:rPr lang="pt-BR" sz="700">
+                          <a:effectLst/>
+                        </a:rPr>
+                        <a:t>KDIF11</a:t>
+                      </a:r>
+                    </a:p>
+                  </a:txBody>
+                  <a:tcPr marL="16328" marR="16328" marT="8164" marB="8164" anchor="ctr"/>
+                </a:tc>
+                <a:tc>
+                  <a:txBody>
+                    <a:bodyPr/>
+                    <a:lstStyle/>
+                    <a:p>
+                      <a:pPr algn="ctr">
+                        <a:buNone/>
+                      </a:pPr>
+                      <a:r>
+                        <a:rPr lang="pt-BR" sz="700">
+                          <a:effectLst/>
+                        </a:rPr>
+                        <a:t>0.00</a:t>
+                      </a:r>
+                    </a:p>
+                  </a:txBody>
+                  <a:tcPr marL="16328" marR="16328" marT="8164" marB="8164" anchor="ctr"/>
+                </a:tc>
+                <a:tc>
+                  <a:txBody>
+                    <a:bodyPr/>
+                    <a:lstStyle/>
+                    <a:p>
+                      <a:pPr algn="ctr">
+                        <a:buNone/>
+                      </a:pPr>
+                      <a:r>
+                        <a:rPr lang="pt-BR" sz="700">
+                          <a:effectLst/>
+                        </a:rPr>
+                        <a:t>0.00</a:t>
+                      </a:r>
+                    </a:p>
+                  </a:txBody>
+                  <a:tcPr marL="16328" marR="16328" marT="8164" marB="8164" anchor="ctr"/>
+                </a:tc>
+                <a:tc>
+                  <a:txBody>
+                    <a:bodyPr/>
+                    <a:lstStyle/>
+                    <a:p>
+                      <a:pPr algn="ctr">
+                        <a:buNone/>
+                      </a:pPr>
+                      <a:r>
+                        <a:rPr lang="pt-BR" sz="700">
+                          <a:effectLst/>
+                        </a:rPr>
+                        <a:t>0.01</a:t>
+                      </a:r>
+                    </a:p>
+                  </a:txBody>
+                  <a:tcPr marL="16328" marR="16328" marT="8164" marB="8164" anchor="ctr"/>
+                </a:tc>
+                <a:extLst>
+                  <a:ext uri="{0D108BD9-81ED-4DB2-BD59-A6C34878D82A}">
+                    <a16:rowId xmlns:a16="http://schemas.microsoft.com/office/drawing/2014/main" val="2105896038"/>
+                  </a:ext>
+                </a:extLst>
+              </a:tr>
+              <a:tr h="133685">
+                <a:tc>
+                  <a:txBody>
+                    <a:bodyPr/>
+                    <a:lstStyle/>
+                    <a:p>
+                      <a:pPr algn="ctr">
+                        <a:buNone/>
+                      </a:pPr>
+                      <a:r>
+                        <a:rPr lang="pt-BR" sz="700">
+                          <a:effectLst/>
+                        </a:rPr>
+                        <a:t>PETR4</a:t>
+                      </a:r>
+                    </a:p>
+                  </a:txBody>
+                  <a:tcPr marL="16328" marR="16328" marT="8164" marB="8164" anchor="ctr"/>
+                </a:tc>
+                <a:tc>
+                  <a:txBody>
+                    <a:bodyPr/>
+                    <a:lstStyle/>
+                    <a:p>
+                      <a:pPr algn="ctr">
+                        <a:buNone/>
+                      </a:pPr>
+                      <a:r>
+                        <a:rPr lang="pt-BR" sz="700">
+                          <a:effectLst/>
+                        </a:rPr>
+                        <a:t>0.00</a:t>
+                      </a:r>
+                    </a:p>
+                  </a:txBody>
+                  <a:tcPr marL="16328" marR="16328" marT="8164" marB="8164" anchor="ctr"/>
+                </a:tc>
+                <a:tc>
+                  <a:txBody>
+                    <a:bodyPr/>
+                    <a:lstStyle/>
+                    <a:p>
+                      <a:pPr algn="ctr">
+                        <a:buNone/>
+                      </a:pPr>
+                      <a:r>
+                        <a:rPr lang="pt-BR" sz="700">
+                          <a:effectLst/>
+                        </a:rPr>
+                        <a:t>29.00</a:t>
+                      </a:r>
+                    </a:p>
+                  </a:txBody>
+                  <a:tcPr marL="16328" marR="16328" marT="8164" marB="8164" anchor="ctr"/>
+                </a:tc>
+                <a:tc>
+                  <a:txBody>
+                    <a:bodyPr/>
+                    <a:lstStyle/>
+                    <a:p>
+                      <a:pPr algn="ctr">
+                        <a:buNone/>
+                      </a:pPr>
+                      <a:r>
+                        <a:rPr lang="pt-BR" sz="700">
+                          <a:effectLst/>
+                        </a:rPr>
+                        <a:t>0.00</a:t>
+                      </a:r>
+                    </a:p>
+                  </a:txBody>
+                  <a:tcPr marL="16328" marR="16328" marT="8164" marB="8164" anchor="ctr"/>
+                </a:tc>
+                <a:extLst>
+                  <a:ext uri="{0D108BD9-81ED-4DB2-BD59-A6C34878D82A}">
+                    <a16:rowId xmlns:a16="http://schemas.microsoft.com/office/drawing/2014/main" val="3205368531"/>
+                  </a:ext>
+                </a:extLst>
+              </a:tr>
+              <a:tr h="133685">
+                <a:tc>
+                  <a:txBody>
+                    <a:bodyPr/>
+                    <a:lstStyle/>
+                    <a:p>
+                      <a:pPr algn="ctr">
+                        <a:buNone/>
+                      </a:pPr>
+                      <a:r>
+                        <a:rPr lang="pt-BR" sz="700">
+                          <a:effectLst/>
+                        </a:rPr>
+                        <a:t>VALE3</a:t>
+                      </a:r>
+                    </a:p>
+                  </a:txBody>
+                  <a:tcPr marL="16328" marR="16328" marT="8164" marB="8164" anchor="ctr"/>
+                </a:tc>
+                <a:tc>
+                  <a:txBody>
+                    <a:bodyPr/>
+                    <a:lstStyle/>
+                    <a:p>
+                      <a:pPr algn="ctr">
+                        <a:buNone/>
+                      </a:pPr>
+                      <a:r>
+                        <a:rPr lang="pt-BR" sz="700">
+                          <a:effectLst/>
+                        </a:rPr>
+                        <a:t>0.00</a:t>
+                      </a:r>
+                    </a:p>
+                  </a:txBody>
+                  <a:tcPr marL="16328" marR="16328" marT="8164" marB="8164" anchor="ctr"/>
+                </a:tc>
+                <a:tc>
+                  <a:txBody>
+                    <a:bodyPr/>
+                    <a:lstStyle/>
+                    <a:p>
+                      <a:pPr algn="ctr">
+                        <a:buNone/>
+                      </a:pPr>
+                      <a:r>
+                        <a:rPr lang="pt-BR" sz="700">
+                          <a:effectLst/>
+                        </a:rPr>
+                        <a:t>0.00</a:t>
+                      </a:r>
+                    </a:p>
+                  </a:txBody>
+                  <a:tcPr marL="16328" marR="16328" marT="8164" marB="8164" anchor="ctr"/>
+                </a:tc>
+                <a:tc>
+                  <a:txBody>
+                    <a:bodyPr/>
+                    <a:lstStyle/>
+                    <a:p>
+                      <a:pPr algn="ctr">
+                        <a:buNone/>
+                      </a:pPr>
+                      <a:r>
+                        <a:rPr lang="pt-BR" sz="700">
+                          <a:effectLst/>
+                        </a:rPr>
+                        <a:t>0.00</a:t>
+                      </a:r>
+                    </a:p>
+                  </a:txBody>
+                  <a:tcPr marL="16328" marR="16328" marT="8164" marB="8164" anchor="ctr"/>
+                </a:tc>
+                <a:extLst>
+                  <a:ext uri="{0D108BD9-81ED-4DB2-BD59-A6C34878D82A}">
+                    <a16:rowId xmlns:a16="http://schemas.microsoft.com/office/drawing/2014/main" val="2534672189"/>
+                  </a:ext>
+                </a:extLst>
+              </a:tr>
+              <a:tr h="249626">
+                <a:tc>
+                  <a:txBody>
+                    <a:bodyPr/>
+                    <a:lstStyle/>
+                    <a:p>
+                      <a:pPr algn="ctr">
+                        <a:buNone/>
+                      </a:pPr>
+                      <a:r>
+                        <a:rPr lang="pt-BR" sz="700" dirty="0">
+                          <a:effectLst/>
+                        </a:rPr>
+                        <a:t>DEB AEGEA RIO SPE1 - SET-2042</a:t>
+                      </a:r>
+                    </a:p>
+                  </a:txBody>
+                  <a:tcPr marL="16328" marR="16328" marT="8164" marB="8164" anchor="ctr"/>
+                </a:tc>
+                <a:tc>
+                  <a:txBody>
+                    <a:bodyPr/>
+                    <a:lstStyle/>
+                    <a:p>
+                      <a:pPr algn="ctr">
+                        <a:buNone/>
+                      </a:pPr>
+                      <a:r>
+                        <a:rPr lang="pt-BR" sz="700">
+                          <a:effectLst/>
+                        </a:rPr>
+                        <a:t>0.00</a:t>
+                      </a:r>
+                    </a:p>
+                  </a:txBody>
+                  <a:tcPr marL="16328" marR="16328" marT="8164" marB="8164" anchor="ctr"/>
+                </a:tc>
+                <a:tc>
+                  <a:txBody>
+                    <a:bodyPr/>
+                    <a:lstStyle/>
+                    <a:p>
+                      <a:pPr algn="ctr">
+                        <a:buNone/>
+                      </a:pPr>
+                      <a:r>
+                        <a:rPr lang="pt-BR" sz="700">
+                          <a:effectLst/>
+                        </a:rPr>
+                        <a:t>0.00</a:t>
+                      </a:r>
+                    </a:p>
+                  </a:txBody>
+                  <a:tcPr marL="16328" marR="16328" marT="8164" marB="8164" anchor="ctr"/>
+                </a:tc>
+                <a:tc>
+                  <a:txBody>
+                    <a:bodyPr/>
+                    <a:lstStyle/>
+                    <a:p>
+                      <a:pPr algn="ctr">
+                        <a:buNone/>
+                      </a:pPr>
+                      <a:r>
+                        <a:rPr lang="pt-BR" sz="700" dirty="0">
+                          <a:effectLst/>
+                        </a:rPr>
+                        <a:t>0.00</a:t>
+                      </a:r>
+                    </a:p>
+                  </a:txBody>
+                  <a:tcPr marL="16328" marR="16328" marT="8164" marB="8164" anchor="ctr"/>
+                </a:tc>
+                <a:extLst>
+                  <a:ext uri="{0D108BD9-81ED-4DB2-BD59-A6C34878D82A}">
+                    <a16:rowId xmlns:a16="http://schemas.microsoft.com/office/drawing/2014/main" val="2713366385"/>
+                  </a:ext>
+                </a:extLst>
+              </a:tr>
+            </a:tbl>
+          </a:graphicData>
+        </a:graphic>
+      </p:graphicFrame>
+      <p:sp>
+        <p:nvSpPr>
+          <p:cNvPr id="9" name="CaixaDeTexto 8">
+            <a:extLst>
+              <a:ext uri="{FF2B5EF4-FFF2-40B4-BE49-F238E27FC236}">
+                <a16:creationId xmlns:a16="http://schemas.microsoft.com/office/drawing/2014/main" id="{4D82CDA7-D5DB-BB5C-B495-B53CA7F4ECB7}"/>
+              </a:ext>
+            </a:extLst>
+          </p:cNvPr>
+          <p:cNvSpPr txBox="1"/>
+          <p:nvPr/>
+        </p:nvSpPr>
+        <p:spPr>
+          <a:xfrm>
+            <a:off x="5429143" y="6488668"/>
+            <a:ext cx="2456185" cy="369332"/>
+          </a:xfrm>
+          <a:prstGeom prst="rect">
+            <a:avLst/>
+          </a:prstGeom>
+          <a:noFill/>
+        </p:spPr>
+        <p:txBody>
+          <a:bodyPr wrap="none" rtlCol="0">
+            <a:spAutoFit/>
+          </a:bodyPr>
+          <a:lstStyle/>
+          <a:p>
+            <a:r>
+              <a:rPr lang="pt-BR" dirty="0">
+                <a:solidFill>
+                  <a:srgbClr val="FF0000"/>
+                </a:solidFill>
+              </a:rPr>
+              <a:t>Sem ajuste da cotação</a:t>
+            </a:r>
+          </a:p>
+        </p:txBody>
+      </p:sp>
+    </p:spTree>
+    <p:extLst>
+      <p:ext uri="{BB962C8B-B14F-4D97-AF65-F5344CB8AC3E}">
+        <p14:creationId xmlns:p14="http://schemas.microsoft.com/office/powerpoint/2010/main" val="348814647"/>
+      </p:ext>
+    </p:extLst>
+  </p:cSld>
+  <p:clrMapOvr>
+    <a:masterClrMapping/>
+  </p:clrMapOvr>
+</p:sld>
+</file>
+
+<file path=ppt/slides/slide16.xml><?xml version="1.0" encoding="utf-8"?>
+<p:sld xmlns:a="http://schemas.openxmlformats.org/drawingml/2006/main" xmlns:r="http://schemas.openxmlformats.org/officeDocument/2006/relationships" xmlns:p="http://schemas.openxmlformats.org/presentationml/2006/main">
+  <p:cSld>
+    <p:spTree>
+      <p:nvGrpSpPr>
+        <p:cNvPr id="1" name=""/>
+        <p:cNvGrpSpPr/>
+        <p:nvPr/>
+      </p:nvGrpSpPr>
+      <p:grpSpPr>
+        <a:xfrm>
+          <a:off x="0" y="0"/>
+          <a:ext cx="0" cy="0"/>
+          <a:chOff x="0" y="0"/>
+          <a:chExt cx="0" cy="0"/>
+        </a:xfrm>
+      </p:grpSpPr>
+      <p:pic>
+        <p:nvPicPr>
+          <p:cNvPr id="5" name="Imagem 4" descr="Gráfico&#10;&#10;O conteúdo gerado por IA pode estar incorreto.">
+            <a:extLst>
+              <a:ext uri="{FF2B5EF4-FFF2-40B4-BE49-F238E27FC236}">
+                <a16:creationId xmlns:a16="http://schemas.microsoft.com/office/drawing/2014/main" id="{8617A5CB-C841-24CA-751A-610EC6D0820C}"/>
+              </a:ext>
+            </a:extLst>
+          </p:cNvPr>
+          <p:cNvPicPr>
+            <a:picLocks noChangeAspect="1"/>
+          </p:cNvPicPr>
+          <p:nvPr/>
+        </p:nvPicPr>
+        <p:blipFill>
+          <a:blip r:embed="rId2"/>
+          <a:stretch>
+            <a:fillRect/>
+          </a:stretch>
+        </p:blipFill>
+        <p:spPr>
+          <a:xfrm>
+            <a:off x="0" y="0"/>
+            <a:ext cx="7772400" cy="4728543"/>
+          </a:xfrm>
+          <a:prstGeom prst="rect">
+            <a:avLst/>
+          </a:prstGeom>
+        </p:spPr>
+      </p:pic>
+      <p:pic>
+        <p:nvPicPr>
+          <p:cNvPr id="7" name="Imagem 6" descr="Interface gráfica do usuário, Aplicativo&#10;&#10;O conteúdo gerado por IA pode estar incorreto.">
+            <a:extLst>
+              <a:ext uri="{FF2B5EF4-FFF2-40B4-BE49-F238E27FC236}">
+                <a16:creationId xmlns:a16="http://schemas.microsoft.com/office/drawing/2014/main" id="{04576193-1D8E-2AA7-C414-0D747AB210C2}"/>
+              </a:ext>
+            </a:extLst>
+          </p:cNvPr>
+          <p:cNvPicPr>
+            <a:picLocks noChangeAspect="1"/>
+          </p:cNvPicPr>
+          <p:nvPr/>
+        </p:nvPicPr>
+        <p:blipFill>
+          <a:blip r:embed="rId3"/>
+          <a:stretch>
+            <a:fillRect/>
+          </a:stretch>
+        </p:blipFill>
+        <p:spPr>
+          <a:xfrm>
+            <a:off x="118800" y="5230800"/>
+            <a:ext cx="4499371" cy="1332000"/>
+          </a:xfrm>
+          <a:prstGeom prst="rect">
+            <a:avLst/>
+          </a:prstGeom>
+        </p:spPr>
+      </p:pic>
+      <p:graphicFrame>
+        <p:nvGraphicFramePr>
+          <p:cNvPr id="8" name="Tabela 7">
+            <a:extLst>
+              <a:ext uri="{FF2B5EF4-FFF2-40B4-BE49-F238E27FC236}">
+                <a16:creationId xmlns:a16="http://schemas.microsoft.com/office/drawing/2014/main" id="{6D5B3104-FFE9-E75C-B03B-85A8F8F91125}"/>
+              </a:ext>
+            </a:extLst>
+          </p:cNvPr>
+          <p:cNvGraphicFramePr>
+            <a:graphicFrameLocks noGrp="1"/>
+          </p:cNvGraphicFramePr>
+          <p:nvPr>
+            <p:extLst>
+              <p:ext uri="{D42A27DB-BD31-4B8C-83A1-F6EECF244321}">
+                <p14:modId xmlns:p14="http://schemas.microsoft.com/office/powerpoint/2010/main" val="3720244102"/>
+              </p:ext>
+            </p:extLst>
+          </p:nvPr>
+        </p:nvGraphicFramePr>
+        <p:xfrm>
+          <a:off x="8044542" y="193972"/>
+          <a:ext cx="4028658" cy="6368828"/>
+        </p:xfrm>
+        <a:graphic>
+          <a:graphicData uri="http://schemas.openxmlformats.org/drawingml/2006/table">
+            <a:tbl>
+              <a:tblPr>
+                <a:tableStyleId>{775DCB02-9BB8-47FD-8907-85C794F793BA}</a:tableStyleId>
+              </a:tblPr>
+              <a:tblGrid>
+                <a:gridCol w="912743">
+                  <a:extLst>
+                    <a:ext uri="{9D8B030D-6E8A-4147-A177-3AD203B41FA5}">
+                      <a16:colId xmlns:a16="http://schemas.microsoft.com/office/drawing/2014/main" val="3172498410"/>
+                    </a:ext>
+                  </a:extLst>
+                </a:gridCol>
+                <a:gridCol w="912743">
+                  <a:extLst>
+                    <a:ext uri="{9D8B030D-6E8A-4147-A177-3AD203B41FA5}">
+                      <a16:colId xmlns:a16="http://schemas.microsoft.com/office/drawing/2014/main" val="3100890961"/>
+                    </a:ext>
+                  </a:extLst>
+                </a:gridCol>
+                <a:gridCol w="912743">
+                  <a:extLst>
+                    <a:ext uri="{9D8B030D-6E8A-4147-A177-3AD203B41FA5}">
+                      <a16:colId xmlns:a16="http://schemas.microsoft.com/office/drawing/2014/main" val="3171366347"/>
+                    </a:ext>
+                  </a:extLst>
+                </a:gridCol>
+                <a:gridCol w="1290429">
+                  <a:extLst>
+                    <a:ext uri="{9D8B030D-6E8A-4147-A177-3AD203B41FA5}">
+                      <a16:colId xmlns:a16="http://schemas.microsoft.com/office/drawing/2014/main" val="1789764242"/>
+                    </a:ext>
+                  </a:extLst>
+                </a:gridCol>
+              </a:tblGrid>
+              <a:tr h="122861">
+                <a:tc>
+                  <a:txBody>
+                    <a:bodyPr/>
+                    <a:lstStyle/>
+                    <a:p>
+                      <a:pPr algn="ctr" fontAlgn="ctr">
+                        <a:buNone/>
+                      </a:pPr>
+                      <a:r>
+                        <a:rPr lang="pt-BR" sz="900" dirty="0">
+                          <a:effectLst/>
+                        </a:rPr>
+                        <a:t>Ativo</a:t>
+                      </a:r>
+                    </a:p>
+                  </a:txBody>
+                  <a:tcPr marL="20477" marR="20477" marT="10238" marB="10238" anchor="ctr"/>
+                </a:tc>
+                <a:tc>
+                  <a:txBody>
+                    <a:bodyPr/>
+                    <a:lstStyle/>
+                    <a:p>
+                      <a:pPr algn="ctr" fontAlgn="ctr">
+                        <a:buNone/>
+                      </a:pPr>
+                      <a:r>
+                        <a:rPr lang="pt-BR" sz="900" dirty="0">
+                          <a:effectLst/>
+                        </a:rPr>
+                        <a:t>GMV (%)</a:t>
+                      </a:r>
+                    </a:p>
+                  </a:txBody>
+                  <a:tcPr marL="20477" marR="20477" marT="10238" marB="10238" anchor="ctr"/>
+                </a:tc>
+                <a:tc>
+                  <a:txBody>
+                    <a:bodyPr/>
+                    <a:lstStyle/>
+                    <a:p>
+                      <a:pPr algn="ctr" fontAlgn="ctr">
+                        <a:buNone/>
+                      </a:pPr>
+                      <a:r>
+                        <a:rPr lang="pt-BR" sz="900" dirty="0">
+                          <a:effectLst/>
+                        </a:rPr>
+                        <a:t>Max Sharpe (%)</a:t>
+                      </a:r>
+                    </a:p>
+                  </a:txBody>
+                  <a:tcPr marL="20477" marR="20477" marT="10238" marB="10238" anchor="ctr"/>
+                </a:tc>
+                <a:tc>
+                  <a:txBody>
+                    <a:bodyPr/>
+                    <a:lstStyle/>
+                    <a:p>
+                      <a:pPr algn="ctr" fontAlgn="ctr">
+                        <a:buNone/>
+                      </a:pPr>
+                      <a:r>
+                        <a:rPr lang="pt-BR" sz="900" dirty="0">
+                          <a:effectLst/>
+                        </a:rPr>
+                        <a:t>Carteira Atual (%)</a:t>
+                      </a:r>
+                    </a:p>
+                  </a:txBody>
+                  <a:tcPr marL="20477" marR="20477" marT="10238" marB="10238" anchor="ctr"/>
+                </a:tc>
+                <a:extLst>
+                  <a:ext uri="{0D108BD9-81ED-4DB2-BD59-A6C34878D82A}">
+                    <a16:rowId xmlns:a16="http://schemas.microsoft.com/office/drawing/2014/main" val="2199182029"/>
+                  </a:ext>
+                </a:extLst>
+              </a:tr>
+              <a:tr h="204769">
+                <a:tc>
+                  <a:txBody>
+                    <a:bodyPr/>
+                    <a:lstStyle/>
+                    <a:p>
+                      <a:pPr algn="ctr">
+                        <a:buNone/>
+                      </a:pPr>
+                      <a:r>
+                        <a:rPr lang="pt-BR" sz="900">
+                          <a:effectLst/>
+                        </a:rPr>
+                        <a:t>ARX Hedge FIC Incentivado Finan</a:t>
+                      </a:r>
+                    </a:p>
+                  </a:txBody>
+                  <a:tcPr marL="20477" marR="20477" marT="10238" marB="10238" anchor="ctr"/>
+                </a:tc>
+                <a:tc>
+                  <a:txBody>
+                    <a:bodyPr/>
+                    <a:lstStyle/>
+                    <a:p>
+                      <a:pPr algn="ctr">
+                        <a:buNone/>
+                      </a:pPr>
+                      <a:r>
+                        <a:rPr lang="pt-BR" sz="900">
+                          <a:effectLst/>
+                        </a:rPr>
+                        <a:t>0.00</a:t>
+                      </a:r>
+                    </a:p>
+                  </a:txBody>
+                  <a:tcPr marL="20477" marR="20477" marT="10238" marB="10238" anchor="ctr"/>
+                </a:tc>
+                <a:tc>
+                  <a:txBody>
+                    <a:bodyPr/>
+                    <a:lstStyle/>
+                    <a:p>
+                      <a:pPr algn="ctr">
+                        <a:buNone/>
+                      </a:pPr>
+                      <a:r>
+                        <a:rPr lang="pt-BR" sz="900">
+                          <a:effectLst/>
+                        </a:rPr>
+                        <a:t>0.00</a:t>
+                      </a:r>
+                    </a:p>
+                  </a:txBody>
+                  <a:tcPr marL="20477" marR="20477" marT="10238" marB="10238" anchor="ctr"/>
+                </a:tc>
+                <a:tc>
+                  <a:txBody>
+                    <a:bodyPr/>
+                    <a:lstStyle/>
+                    <a:p>
+                      <a:pPr algn="ctr">
+                        <a:buNone/>
+                      </a:pPr>
+                      <a:r>
+                        <a:rPr lang="pt-BR" sz="900">
+                          <a:effectLst/>
+                        </a:rPr>
+                        <a:t>17.58</a:t>
+                      </a:r>
+                    </a:p>
+                  </a:txBody>
+                  <a:tcPr marL="20477" marR="20477" marT="10238" marB="10238" anchor="ctr"/>
+                </a:tc>
+                <a:extLst>
+                  <a:ext uri="{0D108BD9-81ED-4DB2-BD59-A6C34878D82A}">
+                    <a16:rowId xmlns:a16="http://schemas.microsoft.com/office/drawing/2014/main" val="3251547933"/>
+                  </a:ext>
+                </a:extLst>
+              </a:tr>
+              <a:tr h="204769">
+                <a:tc>
+                  <a:txBody>
+                    <a:bodyPr/>
+                    <a:lstStyle/>
+                    <a:p>
+                      <a:pPr algn="ctr">
+                        <a:buNone/>
+                      </a:pPr>
+                      <a:r>
+                        <a:rPr lang="pt-BR" sz="900">
+                          <a:effectLst/>
+                        </a:rPr>
+                        <a:t>DEB AEGEA RIO SPE4 - SET-2042</a:t>
+                      </a:r>
+                    </a:p>
+                  </a:txBody>
+                  <a:tcPr marL="20477" marR="20477" marT="10238" marB="10238" anchor="ctr"/>
+                </a:tc>
+                <a:tc>
+                  <a:txBody>
+                    <a:bodyPr/>
+                    <a:lstStyle/>
+                    <a:p>
+                      <a:pPr algn="ctr">
+                        <a:buNone/>
+                      </a:pPr>
+                      <a:r>
+                        <a:rPr lang="pt-BR" sz="900">
+                          <a:effectLst/>
+                        </a:rPr>
+                        <a:t>0.00</a:t>
+                      </a:r>
+                    </a:p>
+                  </a:txBody>
+                  <a:tcPr marL="20477" marR="20477" marT="10238" marB="10238" anchor="ctr"/>
+                </a:tc>
+                <a:tc>
+                  <a:txBody>
+                    <a:bodyPr/>
+                    <a:lstStyle/>
+                    <a:p>
+                      <a:pPr algn="ctr">
+                        <a:buNone/>
+                      </a:pPr>
+                      <a:r>
+                        <a:rPr lang="pt-BR" sz="900">
+                          <a:effectLst/>
+                        </a:rPr>
+                        <a:t>0.00</a:t>
+                      </a:r>
+                    </a:p>
+                  </a:txBody>
+                  <a:tcPr marL="20477" marR="20477" marT="10238" marB="10238" anchor="ctr"/>
+                </a:tc>
+                <a:tc>
+                  <a:txBody>
+                    <a:bodyPr/>
+                    <a:lstStyle/>
+                    <a:p>
+                      <a:pPr algn="ctr">
+                        <a:buNone/>
+                      </a:pPr>
+                      <a:r>
+                        <a:rPr lang="pt-BR" sz="900">
+                          <a:effectLst/>
+                        </a:rPr>
+                        <a:t>15.78</a:t>
+                      </a:r>
+                    </a:p>
+                  </a:txBody>
+                  <a:tcPr marL="20477" marR="20477" marT="10238" marB="10238" anchor="ctr"/>
+                </a:tc>
+                <a:extLst>
+                  <a:ext uri="{0D108BD9-81ED-4DB2-BD59-A6C34878D82A}">
+                    <a16:rowId xmlns:a16="http://schemas.microsoft.com/office/drawing/2014/main" val="2985075772"/>
+                  </a:ext>
+                </a:extLst>
+              </a:tr>
+              <a:tr h="296915">
+                <a:tc>
+                  <a:txBody>
+                    <a:bodyPr/>
+                    <a:lstStyle/>
+                    <a:p>
+                      <a:pPr algn="ctr">
+                        <a:buNone/>
+                      </a:pPr>
+                      <a:r>
+                        <a:rPr lang="pt-BR" sz="900">
+                          <a:effectLst/>
+                        </a:rPr>
+                        <a:t>XP Balanceado Fundo Mútuo de Pr</a:t>
+                      </a:r>
+                    </a:p>
+                  </a:txBody>
+                  <a:tcPr marL="20477" marR="20477" marT="10238" marB="10238" anchor="ctr"/>
+                </a:tc>
+                <a:tc>
+                  <a:txBody>
+                    <a:bodyPr/>
+                    <a:lstStyle/>
+                    <a:p>
+                      <a:pPr algn="ctr">
+                        <a:buNone/>
+                      </a:pPr>
+                      <a:r>
+                        <a:rPr lang="pt-BR" sz="900">
+                          <a:effectLst/>
+                        </a:rPr>
+                        <a:t>0.00</a:t>
+                      </a:r>
+                    </a:p>
+                  </a:txBody>
+                  <a:tcPr marL="20477" marR="20477" marT="10238" marB="10238" anchor="ctr"/>
+                </a:tc>
+                <a:tc>
+                  <a:txBody>
+                    <a:bodyPr/>
+                    <a:lstStyle/>
+                    <a:p>
+                      <a:pPr algn="ctr">
+                        <a:buNone/>
+                      </a:pPr>
+                      <a:r>
+                        <a:rPr lang="pt-BR" sz="900">
+                          <a:effectLst/>
+                        </a:rPr>
+                        <a:t>0.00</a:t>
+                      </a:r>
+                    </a:p>
+                  </a:txBody>
+                  <a:tcPr marL="20477" marR="20477" marT="10238" marB="10238" anchor="ctr"/>
+                </a:tc>
+                <a:tc>
+                  <a:txBody>
+                    <a:bodyPr/>
+                    <a:lstStyle/>
+                    <a:p>
+                      <a:pPr algn="ctr">
+                        <a:buNone/>
+                      </a:pPr>
+                      <a:r>
+                        <a:rPr lang="pt-BR" sz="900">
+                          <a:effectLst/>
+                        </a:rPr>
+                        <a:t>14.61</a:t>
+                      </a:r>
+                    </a:p>
+                  </a:txBody>
+                  <a:tcPr marL="20477" marR="20477" marT="10238" marB="10238" anchor="ctr"/>
+                </a:tc>
+                <a:extLst>
+                  <a:ext uri="{0D108BD9-81ED-4DB2-BD59-A6C34878D82A}">
+                    <a16:rowId xmlns:a16="http://schemas.microsoft.com/office/drawing/2014/main" val="3689332800"/>
+                  </a:ext>
+                </a:extLst>
+              </a:tr>
+              <a:tr h="204769">
+                <a:tc>
+                  <a:txBody>
+                    <a:bodyPr/>
+                    <a:lstStyle/>
+                    <a:p>
+                      <a:pPr algn="ctr">
+                        <a:buNone/>
+                      </a:pPr>
+                      <a:r>
+                        <a:rPr lang="pt-BR" sz="900">
+                          <a:effectLst/>
+                        </a:rPr>
+                        <a:t>CRA MARFRIG - MAR-2034</a:t>
+                      </a:r>
+                    </a:p>
+                  </a:txBody>
+                  <a:tcPr marL="20477" marR="20477" marT="10238" marB="10238" anchor="ctr"/>
+                </a:tc>
+                <a:tc>
+                  <a:txBody>
+                    <a:bodyPr/>
+                    <a:lstStyle/>
+                    <a:p>
+                      <a:pPr algn="ctr">
+                        <a:buNone/>
+                      </a:pPr>
+                      <a:r>
+                        <a:rPr lang="pt-BR" sz="900">
+                          <a:effectLst/>
+                        </a:rPr>
+                        <a:t>0.00</a:t>
+                      </a:r>
+                    </a:p>
+                  </a:txBody>
+                  <a:tcPr marL="20477" marR="20477" marT="10238" marB="10238" anchor="ctr"/>
+                </a:tc>
+                <a:tc>
+                  <a:txBody>
+                    <a:bodyPr/>
+                    <a:lstStyle/>
+                    <a:p>
+                      <a:pPr algn="ctr">
+                        <a:buNone/>
+                      </a:pPr>
+                      <a:r>
+                        <a:rPr lang="pt-BR" sz="900">
+                          <a:effectLst/>
+                        </a:rPr>
+                        <a:t>0.00</a:t>
+                      </a:r>
+                    </a:p>
+                  </a:txBody>
+                  <a:tcPr marL="20477" marR="20477" marT="10238" marB="10238" anchor="ctr"/>
+                </a:tc>
+                <a:tc>
+                  <a:txBody>
+                    <a:bodyPr/>
+                    <a:lstStyle/>
+                    <a:p>
+                      <a:pPr algn="ctr">
+                        <a:buNone/>
+                      </a:pPr>
+                      <a:r>
+                        <a:rPr lang="pt-BR" sz="900">
+                          <a:effectLst/>
+                        </a:rPr>
+                        <a:t>14.58</a:t>
+                      </a:r>
+                    </a:p>
+                  </a:txBody>
+                  <a:tcPr marL="20477" marR="20477" marT="10238" marB="10238" anchor="ctr"/>
+                </a:tc>
+                <a:extLst>
+                  <a:ext uri="{0D108BD9-81ED-4DB2-BD59-A6C34878D82A}">
+                    <a16:rowId xmlns:a16="http://schemas.microsoft.com/office/drawing/2014/main" val="2888872124"/>
+                  </a:ext>
+                </a:extLst>
+              </a:tr>
+              <a:tr h="204769">
+                <a:tc>
+                  <a:txBody>
+                    <a:bodyPr/>
+                    <a:lstStyle/>
+                    <a:p>
+                      <a:pPr algn="ctr">
+                        <a:buNone/>
+                      </a:pPr>
+                      <a:r>
+                        <a:rPr lang="pt-BR" sz="900">
+                          <a:effectLst/>
+                        </a:rPr>
+                        <a:t>CRA JBS - SET-2038</a:t>
+                      </a:r>
+                    </a:p>
+                  </a:txBody>
+                  <a:tcPr marL="20477" marR="20477" marT="10238" marB="10238" anchor="ctr"/>
+                </a:tc>
+                <a:tc>
+                  <a:txBody>
+                    <a:bodyPr/>
+                    <a:lstStyle/>
+                    <a:p>
+                      <a:pPr algn="ctr">
+                        <a:buNone/>
+                      </a:pPr>
+                      <a:r>
+                        <a:rPr lang="pt-BR" sz="900">
+                          <a:effectLst/>
+                        </a:rPr>
+                        <a:t>0.00</a:t>
+                      </a:r>
+                    </a:p>
+                  </a:txBody>
+                  <a:tcPr marL="20477" marR="20477" marT="10238" marB="10238" anchor="ctr"/>
+                </a:tc>
+                <a:tc>
+                  <a:txBody>
+                    <a:bodyPr/>
+                    <a:lstStyle/>
+                    <a:p>
+                      <a:pPr algn="ctr">
+                        <a:buNone/>
+                      </a:pPr>
+                      <a:r>
+                        <a:rPr lang="pt-BR" sz="900">
+                          <a:effectLst/>
+                        </a:rPr>
+                        <a:t>0.00</a:t>
+                      </a:r>
+                    </a:p>
+                  </a:txBody>
+                  <a:tcPr marL="20477" marR="20477" marT="10238" marB="10238" anchor="ctr"/>
+                </a:tc>
+                <a:tc>
+                  <a:txBody>
+                    <a:bodyPr/>
+                    <a:lstStyle/>
+                    <a:p>
+                      <a:pPr algn="ctr">
+                        <a:buNone/>
+                      </a:pPr>
+                      <a:r>
+                        <a:rPr lang="pt-BR" sz="900">
+                          <a:effectLst/>
+                        </a:rPr>
+                        <a:t>13.71</a:t>
+                      </a:r>
+                    </a:p>
+                  </a:txBody>
+                  <a:tcPr marL="20477" marR="20477" marT="10238" marB="10238" anchor="ctr"/>
+                </a:tc>
+                <a:extLst>
+                  <a:ext uri="{0D108BD9-81ED-4DB2-BD59-A6C34878D82A}">
+                    <a16:rowId xmlns:a16="http://schemas.microsoft.com/office/drawing/2014/main" val="2261258482"/>
+                  </a:ext>
+                </a:extLst>
+              </a:tr>
+              <a:tr h="204769">
+                <a:tc>
+                  <a:txBody>
+                    <a:bodyPr/>
+                    <a:lstStyle/>
+                    <a:p>
+                      <a:pPr algn="ctr">
+                        <a:buNone/>
+                      </a:pPr>
+                      <a:r>
+                        <a:rPr lang="pt-BR" sz="900">
+                          <a:effectLst/>
+                        </a:rPr>
+                        <a:t>XP Debêntures Incentivadas CDI</a:t>
+                      </a:r>
+                    </a:p>
+                  </a:txBody>
+                  <a:tcPr marL="20477" marR="20477" marT="10238" marB="10238" anchor="ctr"/>
+                </a:tc>
+                <a:tc>
+                  <a:txBody>
+                    <a:bodyPr/>
+                    <a:lstStyle/>
+                    <a:p>
+                      <a:pPr algn="ctr">
+                        <a:buNone/>
+                      </a:pPr>
+                      <a:r>
+                        <a:rPr lang="pt-BR" sz="900">
+                          <a:effectLst/>
+                        </a:rPr>
+                        <a:t>8.09</a:t>
+                      </a:r>
+                    </a:p>
+                  </a:txBody>
+                  <a:tcPr marL="20477" marR="20477" marT="10238" marB="10238" anchor="ctr"/>
+                </a:tc>
+                <a:tc>
+                  <a:txBody>
+                    <a:bodyPr/>
+                    <a:lstStyle/>
+                    <a:p>
+                      <a:pPr algn="ctr">
+                        <a:buNone/>
+                      </a:pPr>
+                      <a:r>
+                        <a:rPr lang="pt-BR" sz="900">
+                          <a:effectLst/>
+                        </a:rPr>
+                        <a:t>0.00</a:t>
+                      </a:r>
+                    </a:p>
+                  </a:txBody>
+                  <a:tcPr marL="20477" marR="20477" marT="10238" marB="10238" anchor="ctr"/>
+                </a:tc>
+                <a:tc>
+                  <a:txBody>
+                    <a:bodyPr/>
+                    <a:lstStyle/>
+                    <a:p>
+                      <a:pPr algn="ctr">
+                        <a:buNone/>
+                      </a:pPr>
+                      <a:r>
+                        <a:rPr lang="pt-BR" sz="900">
+                          <a:effectLst/>
+                        </a:rPr>
+                        <a:t>12.04</a:t>
+                      </a:r>
+                    </a:p>
+                  </a:txBody>
+                  <a:tcPr marL="20477" marR="20477" marT="10238" marB="10238" anchor="ctr"/>
+                </a:tc>
+                <a:extLst>
+                  <a:ext uri="{0D108BD9-81ED-4DB2-BD59-A6C34878D82A}">
+                    <a16:rowId xmlns:a16="http://schemas.microsoft.com/office/drawing/2014/main" val="570073930"/>
+                  </a:ext>
+                </a:extLst>
+              </a:tr>
+              <a:tr h="296915">
+                <a:tc>
+                  <a:txBody>
+                    <a:bodyPr/>
+                    <a:lstStyle/>
+                    <a:p>
+                      <a:pPr algn="ctr">
+                        <a:buNone/>
+                      </a:pPr>
+                      <a:r>
+                        <a:rPr lang="pt-BR" sz="900">
+                          <a:effectLst/>
+                        </a:rPr>
+                        <a:t>CRA M. DIAS BRANCO - MAR-2031</a:t>
+                      </a:r>
+                    </a:p>
+                  </a:txBody>
+                  <a:tcPr marL="20477" marR="20477" marT="10238" marB="10238" anchor="ctr"/>
+                </a:tc>
+                <a:tc>
+                  <a:txBody>
+                    <a:bodyPr/>
+                    <a:lstStyle/>
+                    <a:p>
+                      <a:pPr algn="ctr">
+                        <a:buNone/>
+                      </a:pPr>
+                      <a:r>
+                        <a:rPr lang="pt-BR" sz="900">
+                          <a:effectLst/>
+                        </a:rPr>
+                        <a:t>0.00</a:t>
+                      </a:r>
+                    </a:p>
+                  </a:txBody>
+                  <a:tcPr marL="20477" marR="20477" marT="10238" marB="10238" anchor="ctr"/>
+                </a:tc>
+                <a:tc>
+                  <a:txBody>
+                    <a:bodyPr/>
+                    <a:lstStyle/>
+                    <a:p>
+                      <a:pPr algn="ctr">
+                        <a:buNone/>
+                      </a:pPr>
+                      <a:r>
+                        <a:rPr lang="pt-BR" sz="900">
+                          <a:effectLst/>
+                        </a:rPr>
+                        <a:t>0.00</a:t>
+                      </a:r>
+                    </a:p>
+                  </a:txBody>
+                  <a:tcPr marL="20477" marR="20477" marT="10238" marB="10238" anchor="ctr"/>
+                </a:tc>
+                <a:tc>
+                  <a:txBody>
+                    <a:bodyPr/>
+                    <a:lstStyle/>
+                    <a:p>
+                      <a:pPr algn="ctr">
+                        <a:buNone/>
+                      </a:pPr>
+                      <a:r>
+                        <a:rPr lang="pt-BR" sz="900">
+                          <a:effectLst/>
+                        </a:rPr>
+                        <a:t>4.42</a:t>
+                      </a:r>
+                    </a:p>
+                  </a:txBody>
+                  <a:tcPr marL="20477" marR="20477" marT="10238" marB="10238" anchor="ctr"/>
+                </a:tc>
+                <a:extLst>
+                  <a:ext uri="{0D108BD9-81ED-4DB2-BD59-A6C34878D82A}">
+                    <a16:rowId xmlns:a16="http://schemas.microsoft.com/office/drawing/2014/main" val="3896568549"/>
+                  </a:ext>
+                </a:extLst>
+              </a:tr>
+              <a:tr h="112623">
+                <a:tc>
+                  <a:txBody>
+                    <a:bodyPr/>
+                    <a:lstStyle/>
+                    <a:p>
+                      <a:pPr algn="ctr">
+                        <a:buNone/>
+                      </a:pPr>
+                      <a:r>
+                        <a:rPr lang="pt-BR" sz="900">
+                          <a:effectLst/>
+                        </a:rPr>
+                        <a:t>QBTC11</a:t>
+                      </a:r>
+                    </a:p>
+                  </a:txBody>
+                  <a:tcPr marL="20477" marR="20477" marT="10238" marB="10238" anchor="ctr"/>
+                </a:tc>
+                <a:tc>
+                  <a:txBody>
+                    <a:bodyPr/>
+                    <a:lstStyle/>
+                    <a:p>
+                      <a:pPr algn="ctr">
+                        <a:buNone/>
+                      </a:pPr>
+                      <a:r>
+                        <a:rPr lang="pt-BR" sz="900">
+                          <a:effectLst/>
+                        </a:rPr>
+                        <a:t>0.19</a:t>
+                      </a:r>
+                    </a:p>
+                  </a:txBody>
+                  <a:tcPr marL="20477" marR="20477" marT="10238" marB="10238" anchor="ctr"/>
+                </a:tc>
+                <a:tc>
+                  <a:txBody>
+                    <a:bodyPr/>
+                    <a:lstStyle/>
+                    <a:p>
+                      <a:pPr algn="ctr">
+                        <a:buNone/>
+                      </a:pPr>
+                      <a:r>
+                        <a:rPr lang="pt-BR" sz="900">
+                          <a:effectLst/>
+                        </a:rPr>
+                        <a:t>7.31</a:t>
+                      </a:r>
+                    </a:p>
+                  </a:txBody>
+                  <a:tcPr marL="20477" marR="20477" marT="10238" marB="10238" anchor="ctr"/>
+                </a:tc>
+                <a:tc>
+                  <a:txBody>
+                    <a:bodyPr/>
+                    <a:lstStyle/>
+                    <a:p>
+                      <a:pPr algn="ctr">
+                        <a:buNone/>
+                      </a:pPr>
+                      <a:r>
+                        <a:rPr lang="pt-BR" sz="900">
+                          <a:effectLst/>
+                        </a:rPr>
+                        <a:t>2.04</a:t>
+                      </a:r>
+                    </a:p>
+                  </a:txBody>
+                  <a:tcPr marL="20477" marR="20477" marT="10238" marB="10238" anchor="ctr"/>
+                </a:tc>
+                <a:extLst>
+                  <a:ext uri="{0D108BD9-81ED-4DB2-BD59-A6C34878D82A}">
+                    <a16:rowId xmlns:a16="http://schemas.microsoft.com/office/drawing/2014/main" val="2332811887"/>
+                  </a:ext>
+                </a:extLst>
+              </a:tr>
+              <a:tr h="204769">
+                <a:tc>
+                  <a:txBody>
+                    <a:bodyPr/>
+                    <a:lstStyle/>
+                    <a:p>
+                      <a:pPr algn="ctr">
+                        <a:buNone/>
+                      </a:pPr>
+                      <a:r>
+                        <a:rPr lang="pt-BR" sz="900">
+                          <a:effectLst/>
+                        </a:rPr>
+                        <a:t>COE GS Commodities</a:t>
+                      </a:r>
+                    </a:p>
+                  </a:txBody>
+                  <a:tcPr marL="20477" marR="20477" marT="10238" marB="10238" anchor="ctr"/>
+                </a:tc>
+                <a:tc>
+                  <a:txBody>
+                    <a:bodyPr/>
+                    <a:lstStyle/>
+                    <a:p>
+                      <a:pPr algn="ctr">
+                        <a:buNone/>
+                      </a:pPr>
+                      <a:r>
+                        <a:rPr lang="pt-BR" sz="900" dirty="0">
+                          <a:effectLst/>
+                        </a:rPr>
+                        <a:t>0.86</a:t>
+                      </a:r>
+                    </a:p>
+                  </a:txBody>
+                  <a:tcPr marL="20477" marR="20477" marT="10238" marB="10238" anchor="ctr"/>
+                </a:tc>
+                <a:tc>
+                  <a:txBody>
+                    <a:bodyPr/>
+                    <a:lstStyle/>
+                    <a:p>
+                      <a:pPr algn="ctr">
+                        <a:buNone/>
+                      </a:pPr>
+                      <a:r>
+                        <a:rPr lang="pt-BR" sz="900">
+                          <a:effectLst/>
+                        </a:rPr>
+                        <a:t>0.00</a:t>
+                      </a:r>
+                    </a:p>
+                  </a:txBody>
+                  <a:tcPr marL="20477" marR="20477" marT="10238" marB="10238" anchor="ctr"/>
+                </a:tc>
+                <a:tc>
+                  <a:txBody>
+                    <a:bodyPr/>
+                    <a:lstStyle/>
+                    <a:p>
+                      <a:pPr algn="ctr">
+                        <a:buNone/>
+                      </a:pPr>
+                      <a:r>
+                        <a:rPr lang="pt-BR" sz="900">
+                          <a:effectLst/>
+                        </a:rPr>
+                        <a:t>1.19</a:t>
+                      </a:r>
+                    </a:p>
+                  </a:txBody>
+                  <a:tcPr marL="20477" marR="20477" marT="10238" marB="10238" anchor="ctr"/>
+                </a:tc>
+                <a:extLst>
+                  <a:ext uri="{0D108BD9-81ED-4DB2-BD59-A6C34878D82A}">
+                    <a16:rowId xmlns:a16="http://schemas.microsoft.com/office/drawing/2014/main" val="1250997892"/>
+                  </a:ext>
+                </a:extLst>
+              </a:tr>
+              <a:tr h="204769">
+                <a:tc>
+                  <a:txBody>
+                    <a:bodyPr/>
+                    <a:lstStyle/>
+                    <a:p>
+                      <a:pPr algn="ctr">
+                        <a:buNone/>
+                      </a:pPr>
+                      <a:r>
+                        <a:rPr lang="pt-BR" sz="900">
+                          <a:effectLst/>
+                        </a:rPr>
+                        <a:t>BNP Paribas RF FIF RF</a:t>
+                      </a:r>
+                    </a:p>
+                  </a:txBody>
+                  <a:tcPr marL="20477" marR="20477" marT="10238" marB="10238" anchor="ctr"/>
+                </a:tc>
+                <a:tc>
+                  <a:txBody>
+                    <a:bodyPr/>
+                    <a:lstStyle/>
+                    <a:p>
+                      <a:pPr algn="ctr">
+                        <a:buNone/>
+                      </a:pPr>
+                      <a:r>
+                        <a:rPr lang="pt-BR" sz="900">
+                          <a:effectLst/>
+                        </a:rPr>
+                        <a:t>15.49</a:t>
+                      </a:r>
+                    </a:p>
+                  </a:txBody>
+                  <a:tcPr marL="20477" marR="20477" marT="10238" marB="10238" anchor="ctr"/>
+                </a:tc>
+                <a:tc>
+                  <a:txBody>
+                    <a:bodyPr/>
+                    <a:lstStyle/>
+                    <a:p>
+                      <a:pPr algn="ctr">
+                        <a:buNone/>
+                      </a:pPr>
+                      <a:r>
+                        <a:rPr lang="pt-BR" sz="900">
+                          <a:effectLst/>
+                        </a:rPr>
+                        <a:t>0.00</a:t>
+                      </a:r>
+                    </a:p>
+                  </a:txBody>
+                  <a:tcPr marL="20477" marR="20477" marT="10238" marB="10238" anchor="ctr"/>
+                </a:tc>
+                <a:tc>
+                  <a:txBody>
+                    <a:bodyPr/>
+                    <a:lstStyle/>
+                    <a:p>
+                      <a:pPr algn="ctr">
+                        <a:buNone/>
+                      </a:pPr>
+                      <a:r>
+                        <a:rPr lang="pt-BR" sz="900">
+                          <a:effectLst/>
+                        </a:rPr>
+                        <a:t>1.13</a:t>
+                      </a:r>
+                    </a:p>
+                  </a:txBody>
+                  <a:tcPr marL="20477" marR="20477" marT="10238" marB="10238" anchor="ctr"/>
+                </a:tc>
+                <a:extLst>
+                  <a:ext uri="{0D108BD9-81ED-4DB2-BD59-A6C34878D82A}">
+                    <a16:rowId xmlns:a16="http://schemas.microsoft.com/office/drawing/2014/main" val="1746018954"/>
+                  </a:ext>
+                </a:extLst>
+              </a:tr>
+              <a:tr h="204769">
+                <a:tc>
+                  <a:txBody>
+                    <a:bodyPr/>
+                    <a:lstStyle/>
+                    <a:p>
+                      <a:pPr algn="ctr">
+                        <a:buNone/>
+                      </a:pPr>
+                      <a:r>
+                        <a:rPr lang="en-US" sz="900">
+                          <a:effectLst/>
+                        </a:rPr>
+                        <a:t>Daycoval Classic CIC FIRF CP RL</a:t>
+                      </a:r>
+                    </a:p>
+                  </a:txBody>
+                  <a:tcPr marL="20477" marR="20477" marT="10238" marB="10238" anchor="ctr"/>
+                </a:tc>
+                <a:tc>
+                  <a:txBody>
+                    <a:bodyPr/>
+                    <a:lstStyle/>
+                    <a:p>
+                      <a:pPr algn="ctr">
+                        <a:buNone/>
+                      </a:pPr>
+                      <a:r>
+                        <a:rPr lang="pt-BR" sz="900">
+                          <a:effectLst/>
+                        </a:rPr>
+                        <a:t>14.43</a:t>
+                      </a:r>
+                    </a:p>
+                  </a:txBody>
+                  <a:tcPr marL="20477" marR="20477" marT="10238" marB="10238" anchor="ctr"/>
+                </a:tc>
+                <a:tc>
+                  <a:txBody>
+                    <a:bodyPr/>
+                    <a:lstStyle/>
+                    <a:p>
+                      <a:pPr algn="ctr">
+                        <a:buNone/>
+                      </a:pPr>
+                      <a:r>
+                        <a:rPr lang="pt-BR" sz="900">
+                          <a:effectLst/>
+                        </a:rPr>
+                        <a:t>0.00</a:t>
+                      </a:r>
+                    </a:p>
+                  </a:txBody>
+                  <a:tcPr marL="20477" marR="20477" marT="10238" marB="10238" anchor="ctr"/>
+                </a:tc>
+                <a:tc>
+                  <a:txBody>
+                    <a:bodyPr/>
+                    <a:lstStyle/>
+                    <a:p>
+                      <a:pPr algn="ctr">
+                        <a:buNone/>
+                      </a:pPr>
+                      <a:r>
+                        <a:rPr lang="pt-BR" sz="900">
+                          <a:effectLst/>
+                        </a:rPr>
+                        <a:t>0.88</a:t>
+                      </a:r>
+                    </a:p>
+                  </a:txBody>
+                  <a:tcPr marL="20477" marR="20477" marT="10238" marB="10238" anchor="ctr"/>
+                </a:tc>
+                <a:extLst>
+                  <a:ext uri="{0D108BD9-81ED-4DB2-BD59-A6C34878D82A}">
+                    <a16:rowId xmlns:a16="http://schemas.microsoft.com/office/drawing/2014/main" val="1901946765"/>
+                  </a:ext>
+                </a:extLst>
+              </a:tr>
+              <a:tr h="204769">
+                <a:tc>
+                  <a:txBody>
+                    <a:bodyPr/>
+                    <a:lstStyle/>
+                    <a:p>
+                      <a:pPr algn="ctr">
+                        <a:buNone/>
+                      </a:pPr>
+                      <a:r>
+                        <a:rPr lang="pt-BR" sz="900">
+                          <a:effectLst/>
+                        </a:rPr>
+                        <a:t>Fundo 24 Horas FIRF RL</a:t>
+                      </a:r>
+                    </a:p>
+                  </a:txBody>
+                  <a:tcPr marL="20477" marR="20477" marT="10238" marB="10238" anchor="ctr"/>
+                </a:tc>
+                <a:tc>
+                  <a:txBody>
+                    <a:bodyPr/>
+                    <a:lstStyle/>
+                    <a:p>
+                      <a:pPr algn="ctr">
+                        <a:buNone/>
+                      </a:pPr>
+                      <a:r>
+                        <a:rPr lang="pt-BR" sz="900">
+                          <a:effectLst/>
+                        </a:rPr>
+                        <a:t>15.34</a:t>
+                      </a:r>
+                    </a:p>
+                  </a:txBody>
+                  <a:tcPr marL="20477" marR="20477" marT="10238" marB="10238" anchor="ctr"/>
+                </a:tc>
+                <a:tc>
+                  <a:txBody>
+                    <a:bodyPr/>
+                    <a:lstStyle/>
+                    <a:p>
+                      <a:pPr algn="ctr">
+                        <a:buNone/>
+                      </a:pPr>
+                      <a:r>
+                        <a:rPr lang="pt-BR" sz="900">
+                          <a:effectLst/>
+                        </a:rPr>
+                        <a:t>0.00</a:t>
+                      </a:r>
+                    </a:p>
+                  </a:txBody>
+                  <a:tcPr marL="20477" marR="20477" marT="10238" marB="10238" anchor="ctr"/>
+                </a:tc>
+                <a:tc>
+                  <a:txBody>
+                    <a:bodyPr/>
+                    <a:lstStyle/>
+                    <a:p>
+                      <a:pPr algn="ctr">
+                        <a:buNone/>
+                      </a:pPr>
+                      <a:r>
+                        <a:rPr lang="pt-BR" sz="900">
+                          <a:effectLst/>
+                        </a:rPr>
+                        <a:t>0.87</a:t>
+                      </a:r>
+                    </a:p>
+                  </a:txBody>
+                  <a:tcPr marL="20477" marR="20477" marT="10238" marB="10238" anchor="ctr"/>
+                </a:tc>
+                <a:extLst>
+                  <a:ext uri="{0D108BD9-81ED-4DB2-BD59-A6C34878D82A}">
+                    <a16:rowId xmlns:a16="http://schemas.microsoft.com/office/drawing/2014/main" val="3451938821"/>
+                  </a:ext>
+                </a:extLst>
+              </a:tr>
+              <a:tr h="204769">
+                <a:tc>
+                  <a:txBody>
+                    <a:bodyPr/>
+                    <a:lstStyle/>
+                    <a:p>
+                      <a:pPr algn="ctr">
+                        <a:buNone/>
+                      </a:pPr>
+                      <a:r>
+                        <a:rPr lang="en-US" sz="900">
+                          <a:effectLst/>
+                        </a:rPr>
+                        <a:t>Plural Yield FIF RF Referenciad</a:t>
+                      </a:r>
+                    </a:p>
+                  </a:txBody>
+                  <a:tcPr marL="20477" marR="20477" marT="10238" marB="10238" anchor="ctr"/>
+                </a:tc>
+                <a:tc>
+                  <a:txBody>
+                    <a:bodyPr/>
+                    <a:lstStyle/>
+                    <a:p>
+                      <a:pPr algn="ctr">
+                        <a:buNone/>
+                      </a:pPr>
+                      <a:r>
+                        <a:rPr lang="pt-BR" sz="900">
+                          <a:effectLst/>
+                        </a:rPr>
+                        <a:t>15.73</a:t>
+                      </a:r>
+                    </a:p>
+                  </a:txBody>
+                  <a:tcPr marL="20477" marR="20477" marT="10238" marB="10238" anchor="ctr"/>
+                </a:tc>
+                <a:tc>
+                  <a:txBody>
+                    <a:bodyPr/>
+                    <a:lstStyle/>
+                    <a:p>
+                      <a:pPr algn="ctr">
+                        <a:buNone/>
+                      </a:pPr>
+                      <a:r>
+                        <a:rPr lang="pt-BR" sz="900">
+                          <a:effectLst/>
+                        </a:rPr>
+                        <a:t>0.00</a:t>
+                      </a:r>
+                    </a:p>
+                  </a:txBody>
+                  <a:tcPr marL="20477" marR="20477" marT="10238" marB="10238" anchor="ctr"/>
+                </a:tc>
+                <a:tc>
+                  <a:txBody>
+                    <a:bodyPr/>
+                    <a:lstStyle/>
+                    <a:p>
+                      <a:pPr algn="ctr">
+                        <a:buNone/>
+                      </a:pPr>
+                      <a:r>
+                        <a:rPr lang="pt-BR" sz="900">
+                          <a:effectLst/>
+                        </a:rPr>
+                        <a:t>0.51</a:t>
+                      </a:r>
+                    </a:p>
+                  </a:txBody>
+                  <a:tcPr marL="20477" marR="20477" marT="10238" marB="10238" anchor="ctr"/>
+                </a:tc>
+                <a:extLst>
+                  <a:ext uri="{0D108BD9-81ED-4DB2-BD59-A6C34878D82A}">
+                    <a16:rowId xmlns:a16="http://schemas.microsoft.com/office/drawing/2014/main" val="4183109847"/>
+                  </a:ext>
+                </a:extLst>
+              </a:tr>
+              <a:tr h="204769">
+                <a:tc>
+                  <a:txBody>
+                    <a:bodyPr/>
+                    <a:lstStyle/>
+                    <a:p>
+                      <a:pPr algn="ctr">
+                        <a:buNone/>
+                      </a:pPr>
+                      <a:r>
+                        <a:rPr lang="en-US" sz="900">
+                          <a:effectLst/>
+                        </a:rPr>
+                        <a:t>Absolute Atenas Advisory FIC FI</a:t>
+                      </a:r>
+                    </a:p>
+                  </a:txBody>
+                  <a:tcPr marL="20477" marR="20477" marT="10238" marB="10238" anchor="ctr"/>
+                </a:tc>
+                <a:tc>
+                  <a:txBody>
+                    <a:bodyPr/>
+                    <a:lstStyle/>
+                    <a:p>
+                      <a:pPr algn="ctr">
+                        <a:buNone/>
+                      </a:pPr>
+                      <a:r>
+                        <a:rPr lang="pt-BR" sz="900">
+                          <a:effectLst/>
+                        </a:rPr>
+                        <a:t>13.72</a:t>
+                      </a:r>
+                    </a:p>
+                  </a:txBody>
+                  <a:tcPr marL="20477" marR="20477" marT="10238" marB="10238" anchor="ctr"/>
+                </a:tc>
+                <a:tc>
+                  <a:txBody>
+                    <a:bodyPr/>
+                    <a:lstStyle/>
+                    <a:p>
+                      <a:pPr algn="ctr">
+                        <a:buNone/>
+                      </a:pPr>
+                      <a:r>
+                        <a:rPr lang="pt-BR" sz="900">
+                          <a:effectLst/>
+                        </a:rPr>
+                        <a:t>0.00</a:t>
+                      </a:r>
+                    </a:p>
+                  </a:txBody>
+                  <a:tcPr marL="20477" marR="20477" marT="10238" marB="10238" anchor="ctr"/>
+                </a:tc>
+                <a:tc>
+                  <a:txBody>
+                    <a:bodyPr/>
+                    <a:lstStyle/>
+                    <a:p>
+                      <a:pPr algn="ctr">
+                        <a:buNone/>
+                      </a:pPr>
+                      <a:r>
+                        <a:rPr lang="pt-BR" sz="900">
+                          <a:effectLst/>
+                        </a:rPr>
+                        <a:t>0.22</a:t>
+                      </a:r>
+                    </a:p>
+                  </a:txBody>
+                  <a:tcPr marL="20477" marR="20477" marT="10238" marB="10238" anchor="ctr"/>
+                </a:tc>
+                <a:extLst>
+                  <a:ext uri="{0D108BD9-81ED-4DB2-BD59-A6C34878D82A}">
+                    <a16:rowId xmlns:a16="http://schemas.microsoft.com/office/drawing/2014/main" val="1845834941"/>
+                  </a:ext>
+                </a:extLst>
+              </a:tr>
+              <a:tr h="204769">
+                <a:tc>
+                  <a:txBody>
+                    <a:bodyPr/>
+                    <a:lstStyle/>
+                    <a:p>
+                      <a:pPr algn="ctr">
+                        <a:buNone/>
+                      </a:pPr>
+                      <a:r>
+                        <a:rPr lang="en-US" sz="900">
+                          <a:effectLst/>
+                        </a:rPr>
+                        <a:t>Trend Investback FIC FIRF Simpl</a:t>
+                      </a:r>
+                    </a:p>
+                  </a:txBody>
+                  <a:tcPr marL="20477" marR="20477" marT="10238" marB="10238" anchor="ctr"/>
+                </a:tc>
+                <a:tc>
+                  <a:txBody>
+                    <a:bodyPr/>
+                    <a:lstStyle/>
+                    <a:p>
+                      <a:pPr algn="ctr">
+                        <a:buNone/>
+                      </a:pPr>
+                      <a:r>
+                        <a:rPr lang="pt-BR" sz="900">
+                          <a:effectLst/>
+                        </a:rPr>
+                        <a:t>15.98</a:t>
+                      </a:r>
+                    </a:p>
+                  </a:txBody>
+                  <a:tcPr marL="20477" marR="20477" marT="10238" marB="10238" anchor="ctr"/>
+                </a:tc>
+                <a:tc>
+                  <a:txBody>
+                    <a:bodyPr/>
+                    <a:lstStyle/>
+                    <a:p>
+                      <a:pPr algn="ctr">
+                        <a:buNone/>
+                      </a:pPr>
+                      <a:r>
+                        <a:rPr lang="pt-BR" sz="900">
+                          <a:effectLst/>
+                        </a:rPr>
+                        <a:t>0.00</a:t>
+                      </a:r>
+                    </a:p>
+                  </a:txBody>
+                  <a:tcPr marL="20477" marR="20477" marT="10238" marB="10238" anchor="ctr"/>
+                </a:tc>
+                <a:tc>
+                  <a:txBody>
+                    <a:bodyPr/>
+                    <a:lstStyle/>
+                    <a:p>
+                      <a:pPr algn="ctr">
+                        <a:buNone/>
+                      </a:pPr>
+                      <a:r>
+                        <a:rPr lang="pt-BR" sz="900">
+                          <a:effectLst/>
+                        </a:rPr>
+                        <a:t>0.17</a:t>
+                      </a:r>
+                    </a:p>
+                  </a:txBody>
+                  <a:tcPr marL="20477" marR="20477" marT="10238" marB="10238" anchor="ctr"/>
+                </a:tc>
+                <a:extLst>
+                  <a:ext uri="{0D108BD9-81ED-4DB2-BD59-A6C34878D82A}">
+                    <a16:rowId xmlns:a16="http://schemas.microsoft.com/office/drawing/2014/main" val="1457692683"/>
+                  </a:ext>
+                </a:extLst>
+              </a:tr>
+              <a:tr h="296915">
+                <a:tc>
+                  <a:txBody>
+                    <a:bodyPr/>
+                    <a:lstStyle/>
+                    <a:p>
+                      <a:pPr algn="ctr">
+                        <a:buNone/>
+                      </a:pPr>
+                      <a:r>
+                        <a:rPr lang="pt-BR" sz="900">
+                          <a:effectLst/>
+                        </a:rPr>
+                        <a:t>Sparta Debêntures Incentivadas</a:t>
+                      </a:r>
+                    </a:p>
+                  </a:txBody>
+                  <a:tcPr marL="20477" marR="20477" marT="10238" marB="10238" anchor="ctr"/>
+                </a:tc>
+                <a:tc>
+                  <a:txBody>
+                    <a:bodyPr/>
+                    <a:lstStyle/>
+                    <a:p>
+                      <a:pPr algn="ctr">
+                        <a:buNone/>
+                      </a:pPr>
+                      <a:r>
+                        <a:rPr lang="pt-BR" sz="900">
+                          <a:effectLst/>
+                        </a:rPr>
+                        <a:t>0.00</a:t>
+                      </a:r>
+                    </a:p>
+                  </a:txBody>
+                  <a:tcPr marL="20477" marR="20477" marT="10238" marB="10238" anchor="ctr"/>
+                </a:tc>
+                <a:tc>
+                  <a:txBody>
+                    <a:bodyPr/>
+                    <a:lstStyle/>
+                    <a:p>
+                      <a:pPr algn="ctr">
+                        <a:buNone/>
+                      </a:pPr>
+                      <a:r>
+                        <a:rPr lang="pt-BR" sz="900">
+                          <a:effectLst/>
+                        </a:rPr>
+                        <a:t>0.00</a:t>
+                      </a:r>
+                    </a:p>
+                  </a:txBody>
+                  <a:tcPr marL="20477" marR="20477" marT="10238" marB="10238" anchor="ctr"/>
+                </a:tc>
+                <a:tc>
+                  <a:txBody>
+                    <a:bodyPr/>
+                    <a:lstStyle/>
+                    <a:p>
+                      <a:pPr algn="ctr">
+                        <a:buNone/>
+                      </a:pPr>
+                      <a:r>
+                        <a:rPr lang="pt-BR" sz="900">
+                          <a:effectLst/>
+                        </a:rPr>
+                        <a:t>0.16</a:t>
+                      </a:r>
+                    </a:p>
+                  </a:txBody>
+                  <a:tcPr marL="20477" marR="20477" marT="10238" marB="10238" anchor="ctr"/>
+                </a:tc>
+                <a:extLst>
+                  <a:ext uri="{0D108BD9-81ED-4DB2-BD59-A6C34878D82A}">
+                    <a16:rowId xmlns:a16="http://schemas.microsoft.com/office/drawing/2014/main" val="610033404"/>
+                  </a:ext>
+                </a:extLst>
+              </a:tr>
+              <a:tr h="112623">
+                <a:tc>
+                  <a:txBody>
+                    <a:bodyPr/>
+                    <a:lstStyle/>
+                    <a:p>
+                      <a:pPr algn="ctr">
+                        <a:buNone/>
+                      </a:pPr>
+                      <a:r>
+                        <a:rPr lang="pt-BR" sz="900">
+                          <a:effectLst/>
+                        </a:rPr>
+                        <a:t>ITUB4</a:t>
+                      </a:r>
+                    </a:p>
+                  </a:txBody>
+                  <a:tcPr marL="20477" marR="20477" marT="10238" marB="10238" anchor="ctr"/>
+                </a:tc>
+                <a:tc>
+                  <a:txBody>
+                    <a:bodyPr/>
+                    <a:lstStyle/>
+                    <a:p>
+                      <a:pPr algn="ctr">
+                        <a:buNone/>
+                      </a:pPr>
+                      <a:r>
+                        <a:rPr lang="pt-BR" sz="900">
+                          <a:effectLst/>
+                        </a:rPr>
+                        <a:t>0.00</a:t>
+                      </a:r>
+                    </a:p>
+                  </a:txBody>
+                  <a:tcPr marL="20477" marR="20477" marT="10238" marB="10238" anchor="ctr"/>
+                </a:tc>
+                <a:tc>
+                  <a:txBody>
+                    <a:bodyPr/>
+                    <a:lstStyle/>
+                    <a:p>
+                      <a:pPr algn="ctr">
+                        <a:buNone/>
+                      </a:pPr>
+                      <a:r>
+                        <a:rPr lang="pt-BR" sz="900">
+                          <a:effectLst/>
+                        </a:rPr>
+                        <a:t>40.84</a:t>
+                      </a:r>
+                    </a:p>
+                  </a:txBody>
+                  <a:tcPr marL="20477" marR="20477" marT="10238" marB="10238" anchor="ctr"/>
+                </a:tc>
+                <a:tc>
+                  <a:txBody>
+                    <a:bodyPr/>
+                    <a:lstStyle/>
+                    <a:p>
+                      <a:pPr algn="ctr">
+                        <a:buNone/>
+                      </a:pPr>
+                      <a:r>
+                        <a:rPr lang="pt-BR" sz="900">
+                          <a:effectLst/>
+                        </a:rPr>
+                        <a:t>0.05</a:t>
+                      </a:r>
+                    </a:p>
+                  </a:txBody>
+                  <a:tcPr marL="20477" marR="20477" marT="10238" marB="10238" anchor="ctr"/>
+                </a:tc>
+                <a:extLst>
+                  <a:ext uri="{0D108BD9-81ED-4DB2-BD59-A6C34878D82A}">
+                    <a16:rowId xmlns:a16="http://schemas.microsoft.com/office/drawing/2014/main" val="3774138394"/>
+                  </a:ext>
+                </a:extLst>
+              </a:tr>
+              <a:tr h="112623">
+                <a:tc>
+                  <a:txBody>
+                    <a:bodyPr/>
+                    <a:lstStyle/>
+                    <a:p>
+                      <a:pPr algn="ctr">
+                        <a:buNone/>
+                      </a:pPr>
+                      <a:r>
+                        <a:rPr lang="pt-BR" sz="900">
+                          <a:effectLst/>
+                        </a:rPr>
+                        <a:t>BBAS3</a:t>
+                      </a:r>
+                    </a:p>
+                  </a:txBody>
+                  <a:tcPr marL="20477" marR="20477" marT="10238" marB="10238" anchor="ctr"/>
+                </a:tc>
+                <a:tc>
+                  <a:txBody>
+                    <a:bodyPr/>
+                    <a:lstStyle/>
+                    <a:p>
+                      <a:pPr algn="ctr">
+                        <a:buNone/>
+                      </a:pPr>
+                      <a:r>
+                        <a:rPr lang="pt-BR" sz="900">
+                          <a:effectLst/>
+                        </a:rPr>
+                        <a:t>0.14</a:t>
+                      </a:r>
+                    </a:p>
+                  </a:txBody>
+                  <a:tcPr marL="20477" marR="20477" marT="10238" marB="10238" anchor="ctr"/>
+                </a:tc>
+                <a:tc>
+                  <a:txBody>
+                    <a:bodyPr/>
+                    <a:lstStyle/>
+                    <a:p>
+                      <a:pPr algn="ctr">
+                        <a:buNone/>
+                      </a:pPr>
+                      <a:r>
+                        <a:rPr lang="pt-BR" sz="900">
+                          <a:effectLst/>
+                        </a:rPr>
+                        <a:t>0.00</a:t>
+                      </a:r>
+                    </a:p>
+                  </a:txBody>
+                  <a:tcPr marL="20477" marR="20477" marT="10238" marB="10238" anchor="ctr"/>
+                </a:tc>
+                <a:tc>
+                  <a:txBody>
+                    <a:bodyPr/>
+                    <a:lstStyle/>
+                    <a:p>
+                      <a:pPr algn="ctr">
+                        <a:buNone/>
+                      </a:pPr>
+                      <a:r>
+                        <a:rPr lang="pt-BR" sz="900">
+                          <a:effectLst/>
+                        </a:rPr>
+                        <a:t>0.05</a:t>
+                      </a:r>
+                    </a:p>
+                  </a:txBody>
+                  <a:tcPr marL="20477" marR="20477" marT="10238" marB="10238" anchor="ctr"/>
+                </a:tc>
+                <a:extLst>
+                  <a:ext uri="{0D108BD9-81ED-4DB2-BD59-A6C34878D82A}">
+                    <a16:rowId xmlns:a16="http://schemas.microsoft.com/office/drawing/2014/main" val="2649559416"/>
+                  </a:ext>
+                </a:extLst>
+              </a:tr>
+              <a:tr h="112623">
+                <a:tc>
+                  <a:txBody>
+                    <a:bodyPr/>
+                    <a:lstStyle/>
+                    <a:p>
+                      <a:pPr algn="ctr">
+                        <a:buNone/>
+                      </a:pPr>
+                      <a:r>
+                        <a:rPr lang="pt-BR" sz="900">
+                          <a:effectLst/>
+                        </a:rPr>
+                        <a:t>KDIF11</a:t>
+                      </a:r>
+                    </a:p>
+                  </a:txBody>
+                  <a:tcPr marL="20477" marR="20477" marT="10238" marB="10238" anchor="ctr"/>
+                </a:tc>
+                <a:tc>
+                  <a:txBody>
+                    <a:bodyPr/>
+                    <a:lstStyle/>
+                    <a:p>
+                      <a:pPr algn="ctr">
+                        <a:buNone/>
+                      </a:pPr>
+                      <a:r>
+                        <a:rPr lang="pt-BR" sz="900">
+                          <a:effectLst/>
+                        </a:rPr>
+                        <a:t>0.02</a:t>
+                      </a:r>
+                    </a:p>
+                  </a:txBody>
+                  <a:tcPr marL="20477" marR="20477" marT="10238" marB="10238" anchor="ctr"/>
+                </a:tc>
+                <a:tc>
+                  <a:txBody>
+                    <a:bodyPr/>
+                    <a:lstStyle/>
+                    <a:p>
+                      <a:pPr algn="ctr">
+                        <a:buNone/>
+                      </a:pPr>
+                      <a:r>
+                        <a:rPr lang="pt-BR" sz="900">
+                          <a:effectLst/>
+                        </a:rPr>
+                        <a:t>0.00</a:t>
+                      </a:r>
+                    </a:p>
+                  </a:txBody>
+                  <a:tcPr marL="20477" marR="20477" marT="10238" marB="10238" anchor="ctr"/>
+                </a:tc>
+                <a:tc>
+                  <a:txBody>
+                    <a:bodyPr/>
+                    <a:lstStyle/>
+                    <a:p>
+                      <a:pPr algn="ctr">
+                        <a:buNone/>
+                      </a:pPr>
+                      <a:r>
+                        <a:rPr lang="pt-BR" sz="900">
+                          <a:effectLst/>
+                        </a:rPr>
+                        <a:t>0.02</a:t>
+                      </a:r>
+                    </a:p>
+                  </a:txBody>
+                  <a:tcPr marL="20477" marR="20477" marT="10238" marB="10238" anchor="ctr"/>
+                </a:tc>
+                <a:extLst>
+                  <a:ext uri="{0D108BD9-81ED-4DB2-BD59-A6C34878D82A}">
+                    <a16:rowId xmlns:a16="http://schemas.microsoft.com/office/drawing/2014/main" val="964533054"/>
+                  </a:ext>
+                </a:extLst>
+              </a:tr>
+              <a:tr h="112623">
+                <a:tc>
+                  <a:txBody>
+                    <a:bodyPr/>
+                    <a:lstStyle/>
+                    <a:p>
+                      <a:pPr algn="ctr">
+                        <a:buNone/>
+                      </a:pPr>
+                      <a:r>
+                        <a:rPr lang="pt-BR" sz="900">
+                          <a:effectLst/>
+                        </a:rPr>
+                        <a:t>PETR4</a:t>
+                      </a:r>
+                    </a:p>
+                  </a:txBody>
+                  <a:tcPr marL="20477" marR="20477" marT="10238" marB="10238" anchor="ctr"/>
+                </a:tc>
+                <a:tc>
+                  <a:txBody>
+                    <a:bodyPr/>
+                    <a:lstStyle/>
+                    <a:p>
+                      <a:pPr algn="ctr">
+                        <a:buNone/>
+                      </a:pPr>
+                      <a:r>
+                        <a:rPr lang="pt-BR" sz="900">
+                          <a:effectLst/>
+                        </a:rPr>
+                        <a:t>0.00</a:t>
+                      </a:r>
+                    </a:p>
+                  </a:txBody>
+                  <a:tcPr marL="20477" marR="20477" marT="10238" marB="10238" anchor="ctr"/>
+                </a:tc>
+                <a:tc>
+                  <a:txBody>
+                    <a:bodyPr/>
+                    <a:lstStyle/>
+                    <a:p>
+                      <a:pPr algn="ctr">
+                        <a:buNone/>
+                      </a:pPr>
+                      <a:r>
+                        <a:rPr lang="pt-BR" sz="900">
+                          <a:effectLst/>
+                        </a:rPr>
+                        <a:t>51.85</a:t>
+                      </a:r>
+                    </a:p>
+                  </a:txBody>
+                  <a:tcPr marL="20477" marR="20477" marT="10238" marB="10238" anchor="ctr"/>
+                </a:tc>
+                <a:tc>
+                  <a:txBody>
+                    <a:bodyPr/>
+                    <a:lstStyle/>
+                    <a:p>
+                      <a:pPr algn="ctr">
+                        <a:buNone/>
+                      </a:pPr>
+                      <a:r>
+                        <a:rPr lang="pt-BR" sz="900">
+                          <a:effectLst/>
+                        </a:rPr>
+                        <a:t>0.00</a:t>
+                      </a:r>
+                    </a:p>
+                  </a:txBody>
+                  <a:tcPr marL="20477" marR="20477" marT="10238" marB="10238" anchor="ctr"/>
+                </a:tc>
+                <a:extLst>
+                  <a:ext uri="{0D108BD9-81ED-4DB2-BD59-A6C34878D82A}">
+                    <a16:rowId xmlns:a16="http://schemas.microsoft.com/office/drawing/2014/main" val="2688322823"/>
+                  </a:ext>
+                </a:extLst>
+              </a:tr>
+              <a:tr h="112623">
+                <a:tc>
+                  <a:txBody>
+                    <a:bodyPr/>
+                    <a:lstStyle/>
+                    <a:p>
+                      <a:pPr algn="ctr">
+                        <a:buNone/>
+                      </a:pPr>
+                      <a:r>
+                        <a:rPr lang="pt-BR" sz="900">
+                          <a:effectLst/>
+                        </a:rPr>
+                        <a:t>VALE3</a:t>
+                      </a:r>
+                    </a:p>
+                  </a:txBody>
+                  <a:tcPr marL="20477" marR="20477" marT="10238" marB="10238" anchor="ctr"/>
+                </a:tc>
+                <a:tc>
+                  <a:txBody>
+                    <a:bodyPr/>
+                    <a:lstStyle/>
+                    <a:p>
+                      <a:pPr algn="ctr">
+                        <a:buNone/>
+                      </a:pPr>
+                      <a:r>
+                        <a:rPr lang="pt-BR" sz="900">
+                          <a:effectLst/>
+                        </a:rPr>
+                        <a:t>0.00</a:t>
+                      </a:r>
+                    </a:p>
+                  </a:txBody>
+                  <a:tcPr marL="20477" marR="20477" marT="10238" marB="10238" anchor="ctr"/>
+                </a:tc>
+                <a:tc>
+                  <a:txBody>
+                    <a:bodyPr/>
+                    <a:lstStyle/>
+                    <a:p>
+                      <a:pPr algn="ctr">
+                        <a:buNone/>
+                      </a:pPr>
+                      <a:r>
+                        <a:rPr lang="pt-BR" sz="900">
+                          <a:effectLst/>
+                        </a:rPr>
+                        <a:t>0.00</a:t>
+                      </a:r>
+                    </a:p>
+                  </a:txBody>
+                  <a:tcPr marL="20477" marR="20477" marT="10238" marB="10238" anchor="ctr"/>
+                </a:tc>
+                <a:tc>
+                  <a:txBody>
+                    <a:bodyPr/>
+                    <a:lstStyle/>
+                    <a:p>
+                      <a:pPr algn="ctr">
+                        <a:buNone/>
+                      </a:pPr>
+                      <a:r>
+                        <a:rPr lang="pt-BR" sz="900">
+                          <a:effectLst/>
+                        </a:rPr>
+                        <a:t>0.00</a:t>
+                      </a:r>
+                    </a:p>
+                  </a:txBody>
+                  <a:tcPr marL="20477" marR="20477" marT="10238" marB="10238" anchor="ctr"/>
+                </a:tc>
+                <a:extLst>
+                  <a:ext uri="{0D108BD9-81ED-4DB2-BD59-A6C34878D82A}">
+                    <a16:rowId xmlns:a16="http://schemas.microsoft.com/office/drawing/2014/main" val="2865903281"/>
+                  </a:ext>
+                </a:extLst>
+              </a:tr>
+              <a:tr h="204769">
+                <a:tc>
+                  <a:txBody>
+                    <a:bodyPr/>
+                    <a:lstStyle/>
+                    <a:p>
+                      <a:pPr algn="ctr">
+                        <a:buNone/>
+                      </a:pPr>
+                      <a:r>
+                        <a:rPr lang="pt-BR" sz="900" dirty="0">
+                          <a:effectLst/>
+                        </a:rPr>
+                        <a:t>DEB AEGEA RIO SPE1 - SET-2042</a:t>
+                      </a:r>
+                    </a:p>
+                  </a:txBody>
+                  <a:tcPr marL="20477" marR="20477" marT="10238" marB="10238" anchor="ctr"/>
+                </a:tc>
+                <a:tc>
+                  <a:txBody>
+                    <a:bodyPr/>
+                    <a:lstStyle/>
+                    <a:p>
+                      <a:pPr algn="ctr">
+                        <a:buNone/>
+                      </a:pPr>
+                      <a:r>
+                        <a:rPr lang="pt-BR" sz="900">
+                          <a:effectLst/>
+                        </a:rPr>
+                        <a:t>0.00</a:t>
+                      </a:r>
+                    </a:p>
+                  </a:txBody>
+                  <a:tcPr marL="20477" marR="20477" marT="10238" marB="10238" anchor="ctr"/>
+                </a:tc>
+                <a:tc>
+                  <a:txBody>
+                    <a:bodyPr/>
+                    <a:lstStyle/>
+                    <a:p>
+                      <a:pPr algn="ctr">
+                        <a:buNone/>
+                      </a:pPr>
+                      <a:r>
+                        <a:rPr lang="pt-BR" sz="900">
+                          <a:effectLst/>
+                        </a:rPr>
+                        <a:t>0.00</a:t>
+                      </a:r>
+                    </a:p>
+                  </a:txBody>
+                  <a:tcPr marL="20477" marR="20477" marT="10238" marB="10238" anchor="ctr"/>
+                </a:tc>
+                <a:tc>
+                  <a:txBody>
+                    <a:bodyPr/>
+                    <a:lstStyle/>
+                    <a:p>
+                      <a:pPr algn="ctr">
+                        <a:buNone/>
+                      </a:pPr>
+                      <a:r>
+                        <a:rPr lang="pt-BR" sz="900" dirty="0">
+                          <a:effectLst/>
+                        </a:rPr>
+                        <a:t>0.00</a:t>
+                      </a:r>
+                    </a:p>
+                  </a:txBody>
+                  <a:tcPr marL="20477" marR="20477" marT="10238" marB="10238" anchor="ctr"/>
+                </a:tc>
+                <a:extLst>
+                  <a:ext uri="{0D108BD9-81ED-4DB2-BD59-A6C34878D82A}">
+                    <a16:rowId xmlns:a16="http://schemas.microsoft.com/office/drawing/2014/main" val="558645622"/>
+                  </a:ext>
+                </a:extLst>
+              </a:tr>
+            </a:tbl>
+          </a:graphicData>
+        </a:graphic>
+      </p:graphicFrame>
+    </p:spTree>
+    <p:extLst>
+      <p:ext uri="{BB962C8B-B14F-4D97-AF65-F5344CB8AC3E}">
+        <p14:creationId xmlns:p14="http://schemas.microsoft.com/office/powerpoint/2010/main" val="1906276004"/>
+      </p:ext>
+    </p:extLst>
+  </p:cSld>
+  <p:clrMapOvr>
+    <a:masterClrMapping/>
+  </p:clrMapOvr>
+</p:sld>
+</file>
+
+<file path=ppt/slides/slide17.xml><?xml version="1.0" encoding="utf-8"?>
+<p:sld xmlns:a="http://schemas.openxmlformats.org/drawingml/2006/main" xmlns:r="http://schemas.openxmlformats.org/officeDocument/2006/relationships" xmlns:p="http://schemas.openxmlformats.org/presentationml/2006/main">
+  <p:cSld>
+    <p:spTree>
+      <p:nvGrpSpPr>
+        <p:cNvPr id="1" name=""/>
+        <p:cNvGrpSpPr/>
+        <p:nvPr/>
+      </p:nvGrpSpPr>
+      <p:grpSpPr>
+        <a:xfrm>
+          <a:off x="0" y="0"/>
+          <a:ext cx="0" cy="0"/>
+          <a:chOff x="0" y="0"/>
+          <a:chExt cx="0" cy="0"/>
+        </a:xfrm>
+      </p:grpSpPr>
+      <p:pic>
+        <p:nvPicPr>
+          <p:cNvPr id="5" name="Imagem 4" descr="Gráfico, Gráfico de superfície&#10;&#10;O conteúdo gerado por IA pode estar incorreto.">
+            <a:extLst>
+              <a:ext uri="{FF2B5EF4-FFF2-40B4-BE49-F238E27FC236}">
+                <a16:creationId xmlns:a16="http://schemas.microsoft.com/office/drawing/2014/main" id="{FEC1C178-B14E-FDC4-5D43-D553A754C31E}"/>
+              </a:ext>
+            </a:extLst>
+          </p:cNvPr>
+          <p:cNvPicPr>
+            <a:picLocks noChangeAspect="1"/>
+          </p:cNvPicPr>
+          <p:nvPr/>
+        </p:nvPicPr>
+        <p:blipFill>
+          <a:blip r:embed="rId2"/>
+          <a:stretch>
+            <a:fillRect/>
+          </a:stretch>
+        </p:blipFill>
+        <p:spPr>
+          <a:xfrm>
+            <a:off x="0" y="0"/>
+            <a:ext cx="7764026" cy="4730400"/>
+          </a:xfrm>
+          <a:prstGeom prst="rect">
+            <a:avLst/>
+          </a:prstGeom>
+        </p:spPr>
+      </p:pic>
+      <p:pic>
+        <p:nvPicPr>
+          <p:cNvPr id="7" name="Imagem 6" descr="Interface gráfica do usuário&#10;&#10;O conteúdo gerado por IA pode estar incorreto.">
+            <a:extLst>
+              <a:ext uri="{FF2B5EF4-FFF2-40B4-BE49-F238E27FC236}">
+                <a16:creationId xmlns:a16="http://schemas.microsoft.com/office/drawing/2014/main" id="{61E09AA8-6A67-54EA-53F1-C4E60BD682CA}"/>
+              </a:ext>
+            </a:extLst>
+          </p:cNvPr>
+          <p:cNvPicPr>
+            <a:picLocks noChangeAspect="1"/>
+          </p:cNvPicPr>
+          <p:nvPr/>
+        </p:nvPicPr>
+        <p:blipFill>
+          <a:blip r:embed="rId3"/>
+          <a:stretch>
+            <a:fillRect/>
+          </a:stretch>
+        </p:blipFill>
+        <p:spPr>
+          <a:xfrm>
+            <a:off x="118800" y="5230800"/>
+            <a:ext cx="4500000" cy="1315384"/>
+          </a:xfrm>
+          <a:prstGeom prst="rect">
+            <a:avLst/>
+          </a:prstGeom>
+        </p:spPr>
+      </p:pic>
+      <p:graphicFrame>
+        <p:nvGraphicFramePr>
+          <p:cNvPr id="8" name="Tabela 7">
+            <a:extLst>
+              <a:ext uri="{FF2B5EF4-FFF2-40B4-BE49-F238E27FC236}">
+                <a16:creationId xmlns:a16="http://schemas.microsoft.com/office/drawing/2014/main" id="{2F527BD8-F52E-7C83-4C44-A742CDF83A99}"/>
+              </a:ext>
+            </a:extLst>
+          </p:cNvPr>
+          <p:cNvGraphicFramePr>
+            <a:graphicFrameLocks noGrp="1"/>
+          </p:cNvGraphicFramePr>
+          <p:nvPr>
+            <p:extLst>
+              <p:ext uri="{D42A27DB-BD31-4B8C-83A1-F6EECF244321}">
+                <p14:modId xmlns:p14="http://schemas.microsoft.com/office/powerpoint/2010/main" val="3550995717"/>
+              </p:ext>
+            </p:extLst>
+          </p:nvPr>
+        </p:nvGraphicFramePr>
+        <p:xfrm>
+          <a:off x="7913914" y="820488"/>
+          <a:ext cx="4094914" cy="2164080"/>
+        </p:xfrm>
+        <a:graphic>
+          <a:graphicData uri="http://schemas.openxmlformats.org/drawingml/2006/table">
+            <a:tbl>
+              <a:tblPr>
+                <a:tableStyleId>{775DCB02-9BB8-47FD-8907-85C794F793BA}</a:tableStyleId>
+              </a:tblPr>
+              <a:tblGrid>
+                <a:gridCol w="927754">
+                  <a:extLst>
+                    <a:ext uri="{9D8B030D-6E8A-4147-A177-3AD203B41FA5}">
+                      <a16:colId xmlns:a16="http://schemas.microsoft.com/office/drawing/2014/main" val="3708171275"/>
+                    </a:ext>
+                  </a:extLst>
+                </a:gridCol>
+                <a:gridCol w="927754">
+                  <a:extLst>
+                    <a:ext uri="{9D8B030D-6E8A-4147-A177-3AD203B41FA5}">
+                      <a16:colId xmlns:a16="http://schemas.microsoft.com/office/drawing/2014/main" val="2719785056"/>
+                    </a:ext>
+                  </a:extLst>
+                </a:gridCol>
+                <a:gridCol w="927754">
+                  <a:extLst>
+                    <a:ext uri="{9D8B030D-6E8A-4147-A177-3AD203B41FA5}">
+                      <a16:colId xmlns:a16="http://schemas.microsoft.com/office/drawing/2014/main" val="360147713"/>
+                    </a:ext>
+                  </a:extLst>
+                </a:gridCol>
+                <a:gridCol w="1311652">
+                  <a:extLst>
+                    <a:ext uri="{9D8B030D-6E8A-4147-A177-3AD203B41FA5}">
+                      <a16:colId xmlns:a16="http://schemas.microsoft.com/office/drawing/2014/main" val="3165062324"/>
+                    </a:ext>
+                  </a:extLst>
+                </a:gridCol>
+              </a:tblGrid>
+              <a:tr h="0">
+                <a:tc>
+                  <a:txBody>
+                    <a:bodyPr/>
+                    <a:lstStyle/>
+                    <a:p>
+                      <a:pPr algn="ctr" fontAlgn="ctr">
+                        <a:buNone/>
+                      </a:pPr>
+                      <a:r>
+                        <a:rPr lang="pt-BR" sz="1000" dirty="0">
+                          <a:effectLst/>
+                        </a:rPr>
+                        <a:t>Ativo</a:t>
+                      </a:r>
+                    </a:p>
+                  </a:txBody>
+                  <a:tcPr marL="60960" marR="60960" marT="30480" marB="30480" anchor="ctr"/>
+                </a:tc>
+                <a:tc>
+                  <a:txBody>
+                    <a:bodyPr/>
+                    <a:lstStyle/>
+                    <a:p>
+                      <a:pPr algn="ctr" fontAlgn="ctr">
+                        <a:buNone/>
+                      </a:pPr>
+                      <a:r>
+                        <a:rPr lang="pt-BR" sz="1000" dirty="0">
+                          <a:effectLst/>
+                        </a:rPr>
+                        <a:t>GMV (%)</a:t>
+                      </a:r>
+                    </a:p>
+                  </a:txBody>
+                  <a:tcPr marL="60960" marR="60960" marT="30480" marB="30480" anchor="ctr"/>
+                </a:tc>
+                <a:tc>
+                  <a:txBody>
+                    <a:bodyPr/>
+                    <a:lstStyle/>
+                    <a:p>
+                      <a:pPr algn="ctr" fontAlgn="ctr">
+                        <a:buNone/>
+                      </a:pPr>
+                      <a:r>
+                        <a:rPr lang="pt-BR" sz="1000" dirty="0">
+                          <a:effectLst/>
+                        </a:rPr>
+                        <a:t>Max Sharpe (%)</a:t>
+                      </a:r>
+                    </a:p>
+                  </a:txBody>
+                  <a:tcPr marL="60960" marR="60960" marT="30480" marB="30480" anchor="ctr"/>
+                </a:tc>
+                <a:tc>
+                  <a:txBody>
+                    <a:bodyPr/>
+                    <a:lstStyle/>
+                    <a:p>
+                      <a:pPr algn="ctr" fontAlgn="ctr">
+                        <a:buNone/>
+                      </a:pPr>
+                      <a:r>
+                        <a:rPr lang="pt-BR" sz="1000" dirty="0">
+                          <a:effectLst/>
+                        </a:rPr>
+                        <a:t>Carteira Atual (%)</a:t>
+                      </a:r>
+                    </a:p>
+                  </a:txBody>
+                  <a:tcPr marL="60960" marR="60960" marT="30480" marB="30480" anchor="ctr"/>
+                </a:tc>
+                <a:extLst>
+                  <a:ext uri="{0D108BD9-81ED-4DB2-BD59-A6C34878D82A}">
+                    <a16:rowId xmlns:a16="http://schemas.microsoft.com/office/drawing/2014/main" val="3836576378"/>
+                  </a:ext>
+                </a:extLst>
+              </a:tr>
+              <a:tr h="0">
+                <a:tc>
+                  <a:txBody>
+                    <a:bodyPr/>
+                    <a:lstStyle/>
+                    <a:p>
+                      <a:pPr algn="ctr">
+                        <a:buNone/>
+                      </a:pPr>
+                      <a:r>
+                        <a:rPr lang="pt-BR" sz="1000">
+                          <a:effectLst/>
+                        </a:rPr>
+                        <a:t>GOOGL</a:t>
+                      </a:r>
+                    </a:p>
+                  </a:txBody>
+                  <a:tcPr marL="60960" marR="60960" marT="30480" marB="30480" anchor="ctr"/>
+                </a:tc>
+                <a:tc>
+                  <a:txBody>
+                    <a:bodyPr/>
+                    <a:lstStyle/>
+                    <a:p>
+                      <a:pPr algn="ctr">
+                        <a:buNone/>
+                      </a:pPr>
+                      <a:r>
+                        <a:rPr lang="pt-BR" sz="1000">
+                          <a:effectLst/>
+                        </a:rPr>
+                        <a:t>0.0</a:t>
+                      </a:r>
+                    </a:p>
+                  </a:txBody>
+                  <a:tcPr marL="60960" marR="60960" marT="30480" marB="30480" anchor="ctr"/>
+                </a:tc>
+                <a:tc>
+                  <a:txBody>
+                    <a:bodyPr/>
+                    <a:lstStyle/>
+                    <a:p>
+                      <a:pPr algn="ctr">
+                        <a:buNone/>
+                      </a:pPr>
+                      <a:r>
+                        <a:rPr lang="pt-BR" sz="1000" dirty="0">
+                          <a:effectLst/>
+                        </a:rPr>
+                        <a:t>0.0</a:t>
+                      </a:r>
+                    </a:p>
+                  </a:txBody>
+                  <a:tcPr marL="60960" marR="60960" marT="30480" marB="30480" anchor="ctr"/>
+                </a:tc>
+                <a:tc>
+                  <a:txBody>
+                    <a:bodyPr/>
+                    <a:lstStyle/>
+                    <a:p>
+                      <a:pPr algn="ctr">
+                        <a:buNone/>
+                      </a:pPr>
+                      <a:r>
+                        <a:rPr lang="pt-BR" sz="1000">
+                          <a:effectLst/>
+                        </a:rPr>
+                        <a:t>23.10</a:t>
+                      </a:r>
+                    </a:p>
+                  </a:txBody>
+                  <a:tcPr marL="60960" marR="60960" marT="30480" marB="30480" anchor="ctr"/>
+                </a:tc>
+                <a:extLst>
+                  <a:ext uri="{0D108BD9-81ED-4DB2-BD59-A6C34878D82A}">
+                    <a16:rowId xmlns:a16="http://schemas.microsoft.com/office/drawing/2014/main" val="117054631"/>
+                  </a:ext>
+                </a:extLst>
+              </a:tr>
+              <a:tr h="0">
+                <a:tc>
+                  <a:txBody>
+                    <a:bodyPr/>
+                    <a:lstStyle/>
+                    <a:p>
+                      <a:pPr algn="ctr">
+                        <a:buNone/>
+                      </a:pPr>
+                      <a:r>
+                        <a:rPr lang="pt-BR" sz="1000">
+                          <a:effectLst/>
+                        </a:rPr>
+                        <a:t>NVDA</a:t>
+                      </a:r>
+                    </a:p>
+                  </a:txBody>
+                  <a:tcPr marL="60960" marR="60960" marT="30480" marB="30480" anchor="ctr"/>
+                </a:tc>
+                <a:tc>
+                  <a:txBody>
+                    <a:bodyPr/>
+                    <a:lstStyle/>
+                    <a:p>
+                      <a:pPr algn="ctr">
+                        <a:buNone/>
+                      </a:pPr>
+                      <a:r>
+                        <a:rPr lang="pt-BR" sz="1000">
+                          <a:effectLst/>
+                        </a:rPr>
+                        <a:t>0.0</a:t>
+                      </a:r>
+                    </a:p>
+                  </a:txBody>
+                  <a:tcPr marL="60960" marR="60960" marT="30480" marB="30480" anchor="ctr"/>
+                </a:tc>
+                <a:tc>
+                  <a:txBody>
+                    <a:bodyPr/>
+                    <a:lstStyle/>
+                    <a:p>
+                      <a:pPr algn="ctr">
+                        <a:buNone/>
+                      </a:pPr>
+                      <a:r>
+                        <a:rPr lang="pt-BR" sz="1000">
+                          <a:effectLst/>
+                        </a:rPr>
+                        <a:t>100.0</a:t>
+                      </a:r>
+                    </a:p>
+                  </a:txBody>
+                  <a:tcPr marL="60960" marR="60960" marT="30480" marB="30480" anchor="ctr"/>
+                </a:tc>
+                <a:tc>
+                  <a:txBody>
+                    <a:bodyPr/>
+                    <a:lstStyle/>
+                    <a:p>
+                      <a:pPr algn="ctr">
+                        <a:buNone/>
+                      </a:pPr>
+                      <a:r>
+                        <a:rPr lang="pt-BR" sz="1000">
+                          <a:effectLst/>
+                        </a:rPr>
+                        <a:t>21.18</a:t>
+                      </a:r>
+                    </a:p>
+                  </a:txBody>
+                  <a:tcPr marL="60960" marR="60960" marT="30480" marB="30480" anchor="ctr"/>
+                </a:tc>
+                <a:extLst>
+                  <a:ext uri="{0D108BD9-81ED-4DB2-BD59-A6C34878D82A}">
+                    <a16:rowId xmlns:a16="http://schemas.microsoft.com/office/drawing/2014/main" val="3697208250"/>
+                  </a:ext>
+                </a:extLst>
+              </a:tr>
+              <a:tr h="0">
+                <a:tc>
+                  <a:txBody>
+                    <a:bodyPr/>
+                    <a:lstStyle/>
+                    <a:p>
+                      <a:pPr algn="ctr">
+                        <a:buNone/>
+                      </a:pPr>
+                      <a:r>
+                        <a:rPr lang="pt-BR" sz="1000">
+                          <a:effectLst/>
+                        </a:rPr>
+                        <a:t>NDAQ</a:t>
+                      </a:r>
+                    </a:p>
+                  </a:txBody>
+                  <a:tcPr marL="60960" marR="60960" marT="30480" marB="30480" anchor="ctr"/>
+                </a:tc>
+                <a:tc>
+                  <a:txBody>
+                    <a:bodyPr/>
+                    <a:lstStyle/>
+                    <a:p>
+                      <a:pPr algn="ctr">
+                        <a:buNone/>
+                      </a:pPr>
+                      <a:r>
+                        <a:rPr lang="pt-BR" sz="1000">
+                          <a:effectLst/>
+                        </a:rPr>
+                        <a:t>0.0</a:t>
+                      </a:r>
+                    </a:p>
+                  </a:txBody>
+                  <a:tcPr marL="60960" marR="60960" marT="30480" marB="30480" anchor="ctr"/>
+                </a:tc>
+                <a:tc>
+                  <a:txBody>
+                    <a:bodyPr/>
+                    <a:lstStyle/>
+                    <a:p>
+                      <a:pPr algn="ctr">
+                        <a:buNone/>
+                      </a:pPr>
+                      <a:r>
+                        <a:rPr lang="pt-BR" sz="1000">
+                          <a:effectLst/>
+                        </a:rPr>
+                        <a:t>0.0</a:t>
+                      </a:r>
+                    </a:p>
+                  </a:txBody>
+                  <a:tcPr marL="60960" marR="60960" marT="30480" marB="30480" anchor="ctr"/>
+                </a:tc>
+                <a:tc>
+                  <a:txBody>
+                    <a:bodyPr/>
+                    <a:lstStyle/>
+                    <a:p>
+                      <a:pPr algn="ctr">
+                        <a:buNone/>
+                      </a:pPr>
+                      <a:r>
+                        <a:rPr lang="pt-BR" sz="1000">
+                          <a:effectLst/>
+                        </a:rPr>
+                        <a:t>16.84</a:t>
+                      </a:r>
+                    </a:p>
+                  </a:txBody>
+                  <a:tcPr marL="60960" marR="60960" marT="30480" marB="30480" anchor="ctr"/>
+                </a:tc>
+                <a:extLst>
+                  <a:ext uri="{0D108BD9-81ED-4DB2-BD59-A6C34878D82A}">
+                    <a16:rowId xmlns:a16="http://schemas.microsoft.com/office/drawing/2014/main" val="1077704428"/>
+                  </a:ext>
+                </a:extLst>
+              </a:tr>
+              <a:tr h="0">
+                <a:tc>
+                  <a:txBody>
+                    <a:bodyPr/>
+                    <a:lstStyle/>
+                    <a:p>
+                      <a:pPr algn="ctr">
+                        <a:buNone/>
+                      </a:pPr>
+                      <a:r>
+                        <a:rPr lang="pt-BR" sz="1000">
+                          <a:effectLst/>
+                        </a:rPr>
+                        <a:t>META</a:t>
+                      </a:r>
+                    </a:p>
+                  </a:txBody>
+                  <a:tcPr marL="60960" marR="60960" marT="30480" marB="30480" anchor="ctr"/>
+                </a:tc>
+                <a:tc>
+                  <a:txBody>
+                    <a:bodyPr/>
+                    <a:lstStyle/>
+                    <a:p>
+                      <a:pPr algn="ctr">
+                        <a:buNone/>
+                      </a:pPr>
+                      <a:r>
+                        <a:rPr lang="pt-BR" sz="1000">
+                          <a:effectLst/>
+                        </a:rPr>
+                        <a:t>0.0</a:t>
+                      </a:r>
+                    </a:p>
+                  </a:txBody>
+                  <a:tcPr marL="60960" marR="60960" marT="30480" marB="30480" anchor="ctr"/>
+                </a:tc>
+                <a:tc>
+                  <a:txBody>
+                    <a:bodyPr/>
+                    <a:lstStyle/>
+                    <a:p>
+                      <a:pPr algn="ctr">
+                        <a:buNone/>
+                      </a:pPr>
+                      <a:r>
+                        <a:rPr lang="pt-BR" sz="1000">
+                          <a:effectLst/>
+                        </a:rPr>
+                        <a:t>0.0</a:t>
+                      </a:r>
+                    </a:p>
+                  </a:txBody>
+                  <a:tcPr marL="60960" marR="60960" marT="30480" marB="30480" anchor="ctr"/>
+                </a:tc>
+                <a:tc>
+                  <a:txBody>
+                    <a:bodyPr/>
+                    <a:lstStyle/>
+                    <a:p>
+                      <a:pPr algn="ctr">
+                        <a:buNone/>
+                      </a:pPr>
+                      <a:r>
+                        <a:rPr lang="pt-BR" sz="1000">
+                          <a:effectLst/>
+                        </a:rPr>
+                        <a:t>15.47</a:t>
+                      </a:r>
+                    </a:p>
+                  </a:txBody>
+                  <a:tcPr marL="60960" marR="60960" marT="30480" marB="30480" anchor="ctr"/>
+                </a:tc>
+                <a:extLst>
+                  <a:ext uri="{0D108BD9-81ED-4DB2-BD59-A6C34878D82A}">
+                    <a16:rowId xmlns:a16="http://schemas.microsoft.com/office/drawing/2014/main" val="3472355668"/>
+                  </a:ext>
+                </a:extLst>
+              </a:tr>
+              <a:tr h="0">
+                <a:tc>
+                  <a:txBody>
+                    <a:bodyPr/>
+                    <a:lstStyle/>
+                    <a:p>
+                      <a:pPr algn="ctr">
+                        <a:buNone/>
+                      </a:pPr>
+                      <a:r>
+                        <a:rPr lang="pt-BR" sz="1000">
+                          <a:effectLst/>
+                        </a:rPr>
+                        <a:t>AMZN</a:t>
+                      </a:r>
+                    </a:p>
+                  </a:txBody>
+                  <a:tcPr marL="60960" marR="60960" marT="30480" marB="30480" anchor="ctr"/>
+                </a:tc>
+                <a:tc>
+                  <a:txBody>
+                    <a:bodyPr/>
+                    <a:lstStyle/>
+                    <a:p>
+                      <a:pPr algn="ctr">
+                        <a:buNone/>
+                      </a:pPr>
+                      <a:r>
+                        <a:rPr lang="pt-BR" sz="1000">
+                          <a:effectLst/>
+                        </a:rPr>
+                        <a:t>0.0</a:t>
+                      </a:r>
+                    </a:p>
+                  </a:txBody>
+                  <a:tcPr marL="60960" marR="60960" marT="30480" marB="30480" anchor="ctr"/>
+                </a:tc>
+                <a:tc>
+                  <a:txBody>
+                    <a:bodyPr/>
+                    <a:lstStyle/>
+                    <a:p>
+                      <a:pPr algn="ctr">
+                        <a:buNone/>
+                      </a:pPr>
+                      <a:r>
+                        <a:rPr lang="pt-BR" sz="1000">
+                          <a:effectLst/>
+                        </a:rPr>
+                        <a:t>0.0</a:t>
+                      </a:r>
+                    </a:p>
+                  </a:txBody>
+                  <a:tcPr marL="60960" marR="60960" marT="30480" marB="30480" anchor="ctr"/>
+                </a:tc>
+                <a:tc>
+                  <a:txBody>
+                    <a:bodyPr/>
+                    <a:lstStyle/>
+                    <a:p>
+                      <a:pPr algn="ctr">
+                        <a:buNone/>
+                      </a:pPr>
+                      <a:r>
+                        <a:rPr lang="pt-BR" sz="1000">
+                          <a:effectLst/>
+                        </a:rPr>
+                        <a:t>14.42</a:t>
+                      </a:r>
+                    </a:p>
+                  </a:txBody>
+                  <a:tcPr marL="60960" marR="60960" marT="30480" marB="30480" anchor="ctr"/>
+                </a:tc>
+                <a:extLst>
+                  <a:ext uri="{0D108BD9-81ED-4DB2-BD59-A6C34878D82A}">
+                    <a16:rowId xmlns:a16="http://schemas.microsoft.com/office/drawing/2014/main" val="3258799370"/>
+                  </a:ext>
+                </a:extLst>
+              </a:tr>
+              <a:tr h="0">
+                <a:tc>
+                  <a:txBody>
+                    <a:bodyPr/>
+                    <a:lstStyle/>
+                    <a:p>
+                      <a:pPr algn="ctr">
+                        <a:buNone/>
+                      </a:pPr>
+                      <a:r>
+                        <a:rPr lang="en-US" sz="1000" dirty="0">
+                          <a:effectLst/>
+                        </a:rPr>
+                        <a:t>JP Morgan Global High Yield Bon</a:t>
+                      </a:r>
+                    </a:p>
+                  </a:txBody>
+                  <a:tcPr marL="60960" marR="60960" marT="30480" marB="30480" anchor="ctr"/>
+                </a:tc>
+                <a:tc>
+                  <a:txBody>
+                    <a:bodyPr/>
+                    <a:lstStyle/>
+                    <a:p>
+                      <a:pPr algn="ctr">
+                        <a:buNone/>
+                      </a:pPr>
+                      <a:r>
+                        <a:rPr lang="pt-BR" sz="1000">
+                          <a:effectLst/>
+                        </a:rPr>
+                        <a:t>100.0</a:t>
+                      </a:r>
+                    </a:p>
+                  </a:txBody>
+                  <a:tcPr marL="60960" marR="60960" marT="30480" marB="30480" anchor="ctr"/>
+                </a:tc>
+                <a:tc>
+                  <a:txBody>
+                    <a:bodyPr/>
+                    <a:lstStyle/>
+                    <a:p>
+                      <a:pPr algn="ctr">
+                        <a:buNone/>
+                      </a:pPr>
+                      <a:r>
+                        <a:rPr lang="pt-BR" sz="1000">
+                          <a:effectLst/>
+                        </a:rPr>
+                        <a:t>0.0</a:t>
+                      </a:r>
+                    </a:p>
+                  </a:txBody>
+                  <a:tcPr marL="60960" marR="60960" marT="30480" marB="30480" anchor="ctr"/>
+                </a:tc>
+                <a:tc>
+                  <a:txBody>
+                    <a:bodyPr/>
+                    <a:lstStyle/>
+                    <a:p>
+                      <a:pPr algn="ctr">
+                        <a:buNone/>
+                      </a:pPr>
+                      <a:r>
+                        <a:rPr lang="pt-BR" sz="1000">
+                          <a:effectLst/>
+                        </a:rPr>
+                        <a:t>8.59</a:t>
+                      </a:r>
+                    </a:p>
+                  </a:txBody>
+                  <a:tcPr marL="60960" marR="60960" marT="30480" marB="30480" anchor="ctr"/>
+                </a:tc>
+                <a:extLst>
+                  <a:ext uri="{0D108BD9-81ED-4DB2-BD59-A6C34878D82A}">
+                    <a16:rowId xmlns:a16="http://schemas.microsoft.com/office/drawing/2014/main" val="1022229999"/>
+                  </a:ext>
+                </a:extLst>
+              </a:tr>
+              <a:tr h="0">
+                <a:tc>
+                  <a:txBody>
+                    <a:bodyPr/>
+                    <a:lstStyle/>
+                    <a:p>
+                      <a:pPr algn="ctr">
+                        <a:buNone/>
+                      </a:pPr>
+                      <a:r>
+                        <a:rPr lang="pt-BR" sz="1000" dirty="0">
+                          <a:effectLst/>
+                        </a:rPr>
+                        <a:t>VOO</a:t>
+                      </a:r>
+                    </a:p>
+                  </a:txBody>
+                  <a:tcPr marL="60960" marR="60960" marT="30480" marB="30480" anchor="ctr"/>
+                </a:tc>
+                <a:tc>
+                  <a:txBody>
+                    <a:bodyPr/>
+                    <a:lstStyle/>
+                    <a:p>
+                      <a:pPr algn="ctr">
+                        <a:buNone/>
+                      </a:pPr>
+                      <a:r>
+                        <a:rPr lang="pt-BR" sz="1000">
+                          <a:effectLst/>
+                        </a:rPr>
+                        <a:t>0.0</a:t>
+                      </a:r>
+                    </a:p>
+                  </a:txBody>
+                  <a:tcPr marL="60960" marR="60960" marT="30480" marB="30480" anchor="ctr"/>
+                </a:tc>
+                <a:tc>
+                  <a:txBody>
+                    <a:bodyPr/>
+                    <a:lstStyle/>
+                    <a:p>
+                      <a:pPr algn="ctr">
+                        <a:buNone/>
+                      </a:pPr>
+                      <a:r>
+                        <a:rPr lang="pt-BR" sz="1000">
+                          <a:effectLst/>
+                        </a:rPr>
+                        <a:t>0.0</a:t>
+                      </a:r>
+                    </a:p>
+                  </a:txBody>
+                  <a:tcPr marL="60960" marR="60960" marT="30480" marB="30480" anchor="ctr"/>
+                </a:tc>
+                <a:tc>
+                  <a:txBody>
+                    <a:bodyPr/>
+                    <a:lstStyle/>
+                    <a:p>
+                      <a:pPr algn="ctr">
+                        <a:buNone/>
+                      </a:pPr>
+                      <a:r>
+                        <a:rPr lang="pt-BR" sz="1000" dirty="0">
+                          <a:effectLst/>
+                        </a:rPr>
+                        <a:t>0.40</a:t>
+                      </a:r>
+                    </a:p>
+                  </a:txBody>
+                  <a:tcPr marL="60960" marR="60960" marT="30480" marB="30480" anchor="ctr"/>
+                </a:tc>
+                <a:extLst>
+                  <a:ext uri="{0D108BD9-81ED-4DB2-BD59-A6C34878D82A}">
+                    <a16:rowId xmlns:a16="http://schemas.microsoft.com/office/drawing/2014/main" val="2006966714"/>
+                  </a:ext>
+                </a:extLst>
+              </a:tr>
+            </a:tbl>
+          </a:graphicData>
+        </a:graphic>
+      </p:graphicFrame>
+    </p:spTree>
+    <p:extLst>
+      <p:ext uri="{BB962C8B-B14F-4D97-AF65-F5344CB8AC3E}">
+        <p14:creationId xmlns:p14="http://schemas.microsoft.com/office/powerpoint/2010/main" val="2982942285"/>
       </p:ext>
     </p:extLst>
   </p:cSld>
